--- a/Lyft Earnings Commitment Verification.pptx
+++ b/Lyft Earnings Commitment Verification.pptx
@@ -5,7 +5,7 @@
     <p:sldMasterId id="2147483648" r:id="rId1"/>
   </p:sldMasterIdLst>
   <p:notesMasterIdLst>
-    <p:notesMasterId r:id="rId14"/>
+    <p:notesMasterId r:id="rId17"/>
   </p:notesMasterIdLst>
   <p:sldIdLst>
     <p:sldId id="256" r:id="rId2"/>
@@ -19,7 +19,10 @@
     <p:sldId id="261" r:id="rId10"/>
     <p:sldId id="266" r:id="rId11"/>
     <p:sldId id="270" r:id="rId12"/>
-    <p:sldId id="271" r:id="rId13"/>
+    <p:sldId id="272" r:id="rId13"/>
+    <p:sldId id="275" r:id="rId14"/>
+    <p:sldId id="277" r:id="rId15"/>
+    <p:sldId id="276" r:id="rId16"/>
   </p:sldIdLst>
   <p:sldSz cx="12192000" cy="6858000"/>
   <p:notesSz cx="6858000" cy="9144000"/>
@@ -118,7 +121,709 @@
       </a:defRPr>
     </a:lvl9pPr>
   </p:defaultTextStyle>
+  <p:extLst>
+    <p:ext uri="{EFAFB233-063F-42B5-8137-9DF3F51BA10A}">
+      <p15:sldGuideLst xmlns:p15="http://schemas.microsoft.com/office/powerpoint/2012/main"/>
+    </p:ext>
+  </p:extLst>
 </p:presentation>
+</file>
+
+<file path=ppt/revisionInfo.xml><?xml version="1.0" encoding="utf-8"?>
+<p1510:revInfo xmlns:a="http://schemas.openxmlformats.org/drawingml/2006/main" xmlns:r="http://schemas.openxmlformats.org/officeDocument/2006/relationships" xmlns:p1510="http://schemas.microsoft.com/office/powerpoint/2015/10/main">
+  <p1510:revLst>
+    <p1510:client id="{811ECDBD-9BB6-4BA2-B81F-F35B11C06107}" v="12" dt="2025-10-05T15:42:14.978"/>
+  </p1510:revLst>
+</p1510:revInfo>
+</file>
+
+<file path=ppt/changesInfos/changesInfo1.xml><?xml version="1.0" encoding="utf-8"?>
+<pc:chgInfo xmlns:a="http://schemas.openxmlformats.org/drawingml/2006/main" xmlns:r="http://schemas.openxmlformats.org/officeDocument/2006/relationships" xmlns:ac="http://schemas.microsoft.com/office/drawing/2013/main/command" xmlns:pc="http://schemas.microsoft.com/office/powerpoint/2013/main/command">
+  <pc:docChgLst>
+    <pc:chgData name="Caleb Hutley" userId="85bc856fac1e4fce" providerId="LiveId" clId="{6A9196D4-64BC-4B17-BD69-93EB3B96EEBE}"/>
+    <pc:docChg chg="undo custSel addSld delSld modSld">
+      <pc:chgData name="Caleb Hutley" userId="85bc856fac1e4fce" providerId="LiveId" clId="{6A9196D4-64BC-4B17-BD69-93EB3B96EEBE}" dt="2025-10-05T15:43:38.395" v="744" actId="14100"/>
+      <pc:docMkLst>
+        <pc:docMk/>
+      </pc:docMkLst>
+      <pc:sldChg chg="modSp mod">
+        <pc:chgData name="Caleb Hutley" userId="85bc856fac1e4fce" providerId="LiveId" clId="{6A9196D4-64BC-4B17-BD69-93EB3B96EEBE}" dt="2025-10-05T14:56:16.833" v="87" actId="1076"/>
+        <pc:sldMkLst>
+          <pc:docMk/>
+          <pc:sldMk cId="304874317" sldId="258"/>
+        </pc:sldMkLst>
+        <pc:spChg chg="mod">
+          <ac:chgData name="Caleb Hutley" userId="85bc856fac1e4fce" providerId="LiveId" clId="{6A9196D4-64BC-4B17-BD69-93EB3B96EEBE}" dt="2025-10-05T14:56:16.833" v="87" actId="1076"/>
+          <ac:spMkLst>
+            <pc:docMk/>
+            <pc:sldMk cId="304874317" sldId="258"/>
+            <ac:spMk id="6" creationId="{09258C6E-365F-63B0-F5D5-AD74CC4F25BA}"/>
+          </ac:spMkLst>
+        </pc:spChg>
+      </pc:sldChg>
+      <pc:sldChg chg="modSp mod">
+        <pc:chgData name="Caleb Hutley" userId="85bc856fac1e4fce" providerId="LiveId" clId="{6A9196D4-64BC-4B17-BD69-93EB3B96EEBE}" dt="2025-10-05T14:54:42.577" v="32" actId="20577"/>
+        <pc:sldMkLst>
+          <pc:docMk/>
+          <pc:sldMk cId="17252798" sldId="262"/>
+        </pc:sldMkLst>
+        <pc:spChg chg="mod">
+          <ac:chgData name="Caleb Hutley" userId="85bc856fac1e4fce" providerId="LiveId" clId="{6A9196D4-64BC-4B17-BD69-93EB3B96EEBE}" dt="2025-10-05T14:54:32.120" v="29" actId="20577"/>
+          <ac:spMkLst>
+            <pc:docMk/>
+            <pc:sldMk cId="17252798" sldId="262"/>
+            <ac:spMk id="2" creationId="{E81DC383-E193-C1D8-754E-00160BC6AEF0}"/>
+          </ac:spMkLst>
+        </pc:spChg>
+        <pc:graphicFrameChg chg="modGraphic">
+          <ac:chgData name="Caleb Hutley" userId="85bc856fac1e4fce" providerId="LiveId" clId="{6A9196D4-64BC-4B17-BD69-93EB3B96EEBE}" dt="2025-10-05T14:54:42.577" v="32" actId="20577"/>
+          <ac:graphicFrameMkLst>
+            <pc:docMk/>
+            <pc:sldMk cId="17252798" sldId="262"/>
+            <ac:graphicFrameMk id="13" creationId="{0929F483-6636-E56A-8030-E561A26E83F9}"/>
+          </ac:graphicFrameMkLst>
+        </pc:graphicFrameChg>
+      </pc:sldChg>
+      <pc:sldChg chg="addSp modSp mod">
+        <pc:chgData name="Caleb Hutley" userId="85bc856fac1e4fce" providerId="LiveId" clId="{6A9196D4-64BC-4B17-BD69-93EB3B96EEBE}" dt="2025-10-05T15:00:56.653" v="380" actId="20577"/>
+        <pc:sldMkLst>
+          <pc:docMk/>
+          <pc:sldMk cId="1591256014" sldId="265"/>
+        </pc:sldMkLst>
+        <pc:spChg chg="add mod">
+          <ac:chgData name="Caleb Hutley" userId="85bc856fac1e4fce" providerId="LiveId" clId="{6A9196D4-64BC-4B17-BD69-93EB3B96EEBE}" dt="2025-10-05T15:00:56.653" v="380" actId="20577"/>
+          <ac:spMkLst>
+            <pc:docMk/>
+            <pc:sldMk cId="1591256014" sldId="265"/>
+            <ac:spMk id="3" creationId="{A1563C5B-EC06-2781-CD28-BE1CC74790B9}"/>
+          </ac:spMkLst>
+        </pc:spChg>
+      </pc:sldChg>
+      <pc:sldChg chg="modSp mod">
+        <pc:chgData name="Caleb Hutley" userId="85bc856fac1e4fce" providerId="LiveId" clId="{6A9196D4-64BC-4B17-BD69-93EB3B96EEBE}" dt="2025-10-05T14:57:36.851" v="142" actId="5793"/>
+        <pc:sldMkLst>
+          <pc:docMk/>
+          <pc:sldMk cId="1144482860" sldId="268"/>
+        </pc:sldMkLst>
+        <pc:spChg chg="mod">
+          <ac:chgData name="Caleb Hutley" userId="85bc856fac1e4fce" providerId="LiveId" clId="{6A9196D4-64BC-4B17-BD69-93EB3B96EEBE}" dt="2025-10-05T14:57:36.851" v="142" actId="5793"/>
+          <ac:spMkLst>
+            <pc:docMk/>
+            <pc:sldMk cId="1144482860" sldId="268"/>
+            <ac:spMk id="10" creationId="{0F063EA6-F675-5EFE-58FB-28B2A8E51E2F}"/>
+          </ac:spMkLst>
+        </pc:spChg>
+      </pc:sldChg>
+      <pc:sldChg chg="addSp modSp mod">
+        <pc:chgData name="Caleb Hutley" userId="85bc856fac1e4fce" providerId="LiveId" clId="{6A9196D4-64BC-4B17-BD69-93EB3B96EEBE}" dt="2025-10-05T14:59:27.989" v="242" actId="1076"/>
+        <pc:sldMkLst>
+          <pc:docMk/>
+          <pc:sldMk cId="466737900" sldId="269"/>
+        </pc:sldMkLst>
+        <pc:spChg chg="add mod">
+          <ac:chgData name="Caleb Hutley" userId="85bc856fac1e4fce" providerId="LiveId" clId="{6A9196D4-64BC-4B17-BD69-93EB3B96EEBE}" dt="2025-10-05T14:59:27.989" v="242" actId="1076"/>
+          <ac:spMkLst>
+            <pc:docMk/>
+            <pc:sldMk cId="466737900" sldId="269"/>
+            <ac:spMk id="3" creationId="{B2C45C5A-88DB-2C0C-7C5D-7E2DF10ED718}"/>
+          </ac:spMkLst>
+        </pc:spChg>
+      </pc:sldChg>
+      <pc:sldChg chg="addSp modSp mod">
+        <pc:chgData name="Caleb Hutley" userId="85bc856fac1e4fce" providerId="LiveId" clId="{6A9196D4-64BC-4B17-BD69-93EB3B96EEBE}" dt="2025-10-05T15:27:21.166" v="502" actId="1076"/>
+        <pc:sldMkLst>
+          <pc:docMk/>
+          <pc:sldMk cId="173611166" sldId="270"/>
+        </pc:sldMkLst>
+        <pc:spChg chg="mod">
+          <ac:chgData name="Caleb Hutley" userId="85bc856fac1e4fce" providerId="LiveId" clId="{6A9196D4-64BC-4B17-BD69-93EB3B96EEBE}" dt="2025-10-05T15:26:37.563" v="490" actId="27636"/>
+          <ac:spMkLst>
+            <pc:docMk/>
+            <pc:sldMk cId="173611166" sldId="270"/>
+            <ac:spMk id="2" creationId="{F3AFDA73-746A-E751-0CCB-9556082B39E9}"/>
+          </ac:spMkLst>
+        </pc:spChg>
+        <pc:picChg chg="add mod">
+          <ac:chgData name="Caleb Hutley" userId="85bc856fac1e4fce" providerId="LiveId" clId="{6A9196D4-64BC-4B17-BD69-93EB3B96EEBE}" dt="2025-10-05T15:27:21.166" v="502" actId="1076"/>
+          <ac:picMkLst>
+            <pc:docMk/>
+            <pc:sldMk cId="173611166" sldId="270"/>
+            <ac:picMk id="3" creationId="{DB5C18B4-4285-407F-31D6-E6C3F6F8C091}"/>
+          </ac:picMkLst>
+        </pc:picChg>
+        <pc:picChg chg="mod modCrop">
+          <ac:chgData name="Caleb Hutley" userId="85bc856fac1e4fce" providerId="LiveId" clId="{6A9196D4-64BC-4B17-BD69-93EB3B96EEBE}" dt="2025-10-05T15:27:13.975" v="499" actId="1076"/>
+          <ac:picMkLst>
+            <pc:docMk/>
+            <pc:sldMk cId="173611166" sldId="270"/>
+            <ac:picMk id="7" creationId="{3B93387B-A4F3-7658-C416-4382687F50BE}"/>
+          </ac:picMkLst>
+        </pc:picChg>
+      </pc:sldChg>
+      <pc:sldChg chg="del">
+        <pc:chgData name="Caleb Hutley" userId="85bc856fac1e4fce" providerId="LiveId" clId="{6A9196D4-64BC-4B17-BD69-93EB3B96EEBE}" dt="2025-10-05T15:27:29.920" v="503" actId="2696"/>
+        <pc:sldMkLst>
+          <pc:docMk/>
+          <pc:sldMk cId="2235367285" sldId="271"/>
+        </pc:sldMkLst>
+      </pc:sldChg>
+      <pc:sldChg chg="addSp delSp modSp new mod setBg">
+        <pc:chgData name="Caleb Hutley" userId="85bc856fac1e4fce" providerId="LiveId" clId="{6A9196D4-64BC-4B17-BD69-93EB3B96EEBE}" dt="2025-10-05T15:38:37.841" v="628" actId="122"/>
+        <pc:sldMkLst>
+          <pc:docMk/>
+          <pc:sldMk cId="3365467992" sldId="272"/>
+        </pc:sldMkLst>
+        <pc:spChg chg="mod">
+          <ac:chgData name="Caleb Hutley" userId="85bc856fac1e4fce" providerId="LiveId" clId="{6A9196D4-64BC-4B17-BD69-93EB3B96EEBE}" dt="2025-10-05T15:38:37.841" v="628" actId="122"/>
+          <ac:spMkLst>
+            <pc:docMk/>
+            <pc:sldMk cId="3365467992" sldId="272"/>
+            <ac:spMk id="2" creationId="{7CE3BB7F-F098-5508-DCDC-29F913E12BE3}"/>
+          </ac:spMkLst>
+        </pc:spChg>
+        <pc:spChg chg="add mod ord">
+          <ac:chgData name="Caleb Hutley" userId="85bc856fac1e4fce" providerId="LiveId" clId="{6A9196D4-64BC-4B17-BD69-93EB3B96EEBE}" dt="2025-10-05T15:38:06.409" v="568" actId="20577"/>
+          <ac:spMkLst>
+            <pc:docMk/>
+            <pc:sldMk cId="3365467992" sldId="272"/>
+            <ac:spMk id="6" creationId="{486B758C-9656-5991-86D5-5AE26A9B48FF}"/>
+          </ac:spMkLst>
+        </pc:spChg>
+        <pc:spChg chg="add del">
+          <ac:chgData name="Caleb Hutley" userId="85bc856fac1e4fce" providerId="LiveId" clId="{6A9196D4-64BC-4B17-BD69-93EB3B96EEBE}" dt="2025-10-05T15:29:02.962" v="532" actId="26606"/>
+          <ac:spMkLst>
+            <pc:docMk/>
+            <pc:sldMk cId="3365467992" sldId="272"/>
+            <ac:spMk id="11" creationId="{2151139A-886F-4B97-8815-729AD3831BBD}"/>
+          </ac:spMkLst>
+        </pc:spChg>
+        <pc:spChg chg="add del">
+          <ac:chgData name="Caleb Hutley" userId="85bc856fac1e4fce" providerId="LiveId" clId="{6A9196D4-64BC-4B17-BD69-93EB3B96EEBE}" dt="2025-10-05T15:29:02.962" v="532" actId="26606"/>
+          <ac:spMkLst>
+            <pc:docMk/>
+            <pc:sldMk cId="3365467992" sldId="272"/>
+            <ac:spMk id="13" creationId="{AB5E08C4-8CDD-4623-A5B8-E998C6DEE3B7}"/>
+          </ac:spMkLst>
+        </pc:spChg>
+        <pc:spChg chg="add del">
+          <ac:chgData name="Caleb Hutley" userId="85bc856fac1e4fce" providerId="LiveId" clId="{6A9196D4-64BC-4B17-BD69-93EB3B96EEBE}" dt="2025-10-05T15:29:02.962" v="532" actId="26606"/>
+          <ac:spMkLst>
+            <pc:docMk/>
+            <pc:sldMk cId="3365467992" sldId="272"/>
+            <ac:spMk id="15" creationId="{15F33878-D502-4FFA-8ACE-F2AECDB2A23F}"/>
+          </ac:spMkLst>
+        </pc:spChg>
+        <pc:spChg chg="add del">
+          <ac:chgData name="Caleb Hutley" userId="85bc856fac1e4fce" providerId="LiveId" clId="{6A9196D4-64BC-4B17-BD69-93EB3B96EEBE}" dt="2025-10-05T15:29:02.962" v="532" actId="26606"/>
+          <ac:spMkLst>
+            <pc:docMk/>
+            <pc:sldMk cId="3365467992" sldId="272"/>
+            <ac:spMk id="17" creationId="{D3539FEE-81D3-4406-802E-60B20B16F4F6}"/>
+          </ac:spMkLst>
+        </pc:spChg>
+        <pc:spChg chg="add del">
+          <ac:chgData name="Caleb Hutley" userId="85bc856fac1e4fce" providerId="LiveId" clId="{6A9196D4-64BC-4B17-BD69-93EB3B96EEBE}" dt="2025-10-05T15:29:02.962" v="532" actId="26606"/>
+          <ac:spMkLst>
+            <pc:docMk/>
+            <pc:sldMk cId="3365467992" sldId="272"/>
+            <ac:spMk id="19" creationId="{DC701763-729E-462F-A5A8-E0DEFEB1E2E4}"/>
+          </ac:spMkLst>
+        </pc:spChg>
+        <pc:spChg chg="add del">
+          <ac:chgData name="Caleb Hutley" userId="85bc856fac1e4fce" providerId="LiveId" clId="{6A9196D4-64BC-4B17-BD69-93EB3B96EEBE}" dt="2025-10-05T15:29:00.419" v="528" actId="26606"/>
+          <ac:spMkLst>
+            <pc:docMk/>
+            <pc:sldMk cId="3365467992" sldId="272"/>
+            <ac:spMk id="24" creationId="{2151139A-886F-4B97-8815-729AD3831BBD}"/>
+          </ac:spMkLst>
+        </pc:spChg>
+        <pc:spChg chg="add del">
+          <ac:chgData name="Caleb Hutley" userId="85bc856fac1e4fce" providerId="LiveId" clId="{6A9196D4-64BC-4B17-BD69-93EB3B96EEBE}" dt="2025-10-05T15:29:00.419" v="528" actId="26606"/>
+          <ac:spMkLst>
+            <pc:docMk/>
+            <pc:sldMk cId="3365467992" sldId="272"/>
+            <ac:spMk id="26" creationId="{AB5E08C4-8CDD-4623-A5B8-E998C6DEE3B7}"/>
+          </ac:spMkLst>
+        </pc:spChg>
+        <pc:spChg chg="add del">
+          <ac:chgData name="Caleb Hutley" userId="85bc856fac1e4fce" providerId="LiveId" clId="{6A9196D4-64BC-4B17-BD69-93EB3B96EEBE}" dt="2025-10-05T15:29:00.419" v="528" actId="26606"/>
+          <ac:spMkLst>
+            <pc:docMk/>
+            <pc:sldMk cId="3365467992" sldId="272"/>
+            <ac:spMk id="28" creationId="{15F33878-D502-4FFA-8ACE-F2AECDB2A23F}"/>
+          </ac:spMkLst>
+        </pc:spChg>
+        <pc:spChg chg="add del">
+          <ac:chgData name="Caleb Hutley" userId="85bc856fac1e4fce" providerId="LiveId" clId="{6A9196D4-64BC-4B17-BD69-93EB3B96EEBE}" dt="2025-10-05T15:29:00.419" v="528" actId="26606"/>
+          <ac:spMkLst>
+            <pc:docMk/>
+            <pc:sldMk cId="3365467992" sldId="272"/>
+            <ac:spMk id="30" creationId="{D3539FEE-81D3-4406-802E-60B20B16F4F6}"/>
+          </ac:spMkLst>
+        </pc:spChg>
+        <pc:spChg chg="add del">
+          <ac:chgData name="Caleb Hutley" userId="85bc856fac1e4fce" providerId="LiveId" clId="{6A9196D4-64BC-4B17-BD69-93EB3B96EEBE}" dt="2025-10-05T15:29:00.419" v="528" actId="26606"/>
+          <ac:spMkLst>
+            <pc:docMk/>
+            <pc:sldMk cId="3365467992" sldId="272"/>
+            <ac:spMk id="32" creationId="{DC701763-729E-462F-A5A8-E0DEFEB1E2E4}"/>
+          </ac:spMkLst>
+        </pc:spChg>
+        <pc:spChg chg="add del">
+          <ac:chgData name="Caleb Hutley" userId="85bc856fac1e4fce" providerId="LiveId" clId="{6A9196D4-64BC-4B17-BD69-93EB3B96EEBE}" dt="2025-10-05T15:29:01.196" v="530" actId="26606"/>
+          <ac:spMkLst>
+            <pc:docMk/>
+            <pc:sldMk cId="3365467992" sldId="272"/>
+            <ac:spMk id="34" creationId="{977ACDD7-882D-4B81-A213-84C82B96B01E}"/>
+          </ac:spMkLst>
+        </pc:spChg>
+        <pc:spChg chg="add del">
+          <ac:chgData name="Caleb Hutley" userId="85bc856fac1e4fce" providerId="LiveId" clId="{6A9196D4-64BC-4B17-BD69-93EB3B96EEBE}" dt="2025-10-05T15:29:01.196" v="530" actId="26606"/>
+          <ac:spMkLst>
+            <pc:docMk/>
+            <pc:sldMk cId="3365467992" sldId="272"/>
+            <ac:spMk id="35" creationId="{2151139A-886F-4B97-8815-729AD3831BBD}"/>
+          </ac:spMkLst>
+        </pc:spChg>
+        <pc:spChg chg="add del">
+          <ac:chgData name="Caleb Hutley" userId="85bc856fac1e4fce" providerId="LiveId" clId="{6A9196D4-64BC-4B17-BD69-93EB3B96EEBE}" dt="2025-10-05T15:29:01.196" v="530" actId="26606"/>
+          <ac:spMkLst>
+            <pc:docMk/>
+            <pc:sldMk cId="3365467992" sldId="272"/>
+            <ac:spMk id="37" creationId="{AFFC87AC-C919-4FE5-BAC3-39509E001152}"/>
+          </ac:spMkLst>
+        </pc:spChg>
+        <pc:spChg chg="add del">
+          <ac:chgData name="Caleb Hutley" userId="85bc856fac1e4fce" providerId="LiveId" clId="{6A9196D4-64BC-4B17-BD69-93EB3B96EEBE}" dt="2025-10-05T15:29:01.196" v="530" actId="26606"/>
+          <ac:spMkLst>
+            <pc:docMk/>
+            <pc:sldMk cId="3365467992" sldId="272"/>
+            <ac:spMk id="38" creationId="{7D0659F6-0853-468D-B1B2-44FDBE98B80F}"/>
+          </ac:spMkLst>
+        </pc:spChg>
+        <pc:spChg chg="add del">
+          <ac:chgData name="Caleb Hutley" userId="85bc856fac1e4fce" providerId="LiveId" clId="{6A9196D4-64BC-4B17-BD69-93EB3B96EEBE}" dt="2025-10-05T15:29:02.962" v="532" actId="26606"/>
+          <ac:spMkLst>
+            <pc:docMk/>
+            <pc:sldMk cId="3365467992" sldId="272"/>
+            <ac:spMk id="41" creationId="{2151139A-886F-4B97-8815-729AD3831BBD}"/>
+          </ac:spMkLst>
+        </pc:spChg>
+        <pc:spChg chg="del">
+          <ac:chgData name="Caleb Hutley" userId="85bc856fac1e4fce" providerId="LiveId" clId="{6A9196D4-64BC-4B17-BD69-93EB3B96EEBE}" dt="2025-10-05T15:29:02.962" v="532" actId="26606"/>
+          <ac:spMkLst>
+            <pc:docMk/>
+            <pc:sldMk cId="3365467992" sldId="272"/>
+            <ac:spMk id="42" creationId="{AB5E08C4-8CDD-4623-A5B8-E998C6DEE3B7}"/>
+          </ac:spMkLst>
+        </pc:spChg>
+        <pc:spChg chg="add del">
+          <ac:chgData name="Caleb Hutley" userId="85bc856fac1e4fce" providerId="LiveId" clId="{6A9196D4-64BC-4B17-BD69-93EB3B96EEBE}" dt="2025-10-05T15:29:02.962" v="532" actId="26606"/>
+          <ac:spMkLst>
+            <pc:docMk/>
+            <pc:sldMk cId="3365467992" sldId="272"/>
+            <ac:spMk id="43" creationId="{15F33878-D502-4FFA-8ACE-F2AECDB2A23F}"/>
+          </ac:spMkLst>
+        </pc:spChg>
+        <pc:spChg chg="add del">
+          <ac:chgData name="Caleb Hutley" userId="85bc856fac1e4fce" providerId="LiveId" clId="{6A9196D4-64BC-4B17-BD69-93EB3B96EEBE}" dt="2025-10-05T15:29:02.962" v="532" actId="26606"/>
+          <ac:spMkLst>
+            <pc:docMk/>
+            <pc:sldMk cId="3365467992" sldId="272"/>
+            <ac:spMk id="44" creationId="{D3539FEE-81D3-4406-802E-60B20B16F4F6}"/>
+          </ac:spMkLst>
+        </pc:spChg>
+        <pc:spChg chg="add del">
+          <ac:chgData name="Caleb Hutley" userId="85bc856fac1e4fce" providerId="LiveId" clId="{6A9196D4-64BC-4B17-BD69-93EB3B96EEBE}" dt="2025-10-05T15:29:02.962" v="532" actId="26606"/>
+          <ac:spMkLst>
+            <pc:docMk/>
+            <pc:sldMk cId="3365467992" sldId="272"/>
+            <ac:spMk id="45" creationId="{DC701763-729E-462F-A5A8-E0DEFEB1E2E4}"/>
+          </ac:spMkLst>
+        </pc:spChg>
+        <pc:picChg chg="add mod">
+          <ac:chgData name="Caleb Hutley" userId="85bc856fac1e4fce" providerId="LiveId" clId="{6A9196D4-64BC-4B17-BD69-93EB3B96EEBE}" dt="2025-10-05T15:35:53.969" v="549" actId="1076"/>
+          <ac:picMkLst>
+            <pc:docMk/>
+            <pc:sldMk cId="3365467992" sldId="272"/>
+            <ac:picMk id="3" creationId="{CB6DE33E-040C-11EC-85D6-7253CC93C028}"/>
+          </ac:picMkLst>
+        </pc:picChg>
+        <pc:picChg chg="add del mod">
+          <ac:chgData name="Caleb Hutley" userId="85bc856fac1e4fce" providerId="LiveId" clId="{6A9196D4-64BC-4B17-BD69-93EB3B96EEBE}" dt="2025-10-05T15:35:32.299" v="544" actId="21"/>
+          <ac:picMkLst>
+            <pc:docMk/>
+            <pc:sldMk cId="3365467992" sldId="272"/>
+            <ac:picMk id="5" creationId="{A0D4751C-61B8-7FCE-56FC-A779019F22BB}"/>
+          </ac:picMkLst>
+        </pc:picChg>
+        <pc:picChg chg="add del">
+          <ac:chgData name="Caleb Hutley" userId="85bc856fac1e4fce" providerId="LiveId" clId="{6A9196D4-64BC-4B17-BD69-93EB3B96EEBE}" dt="2025-10-05T15:35:16.988" v="540" actId="22"/>
+          <ac:picMkLst>
+            <pc:docMk/>
+            <pc:sldMk cId="3365467992" sldId="272"/>
+            <ac:picMk id="8" creationId="{095EF1B9-3763-8471-49DB-DC7B98E75939}"/>
+          </ac:picMkLst>
+        </pc:picChg>
+      </pc:sldChg>
+      <pc:sldChg chg="addSp modSp new del mod setBg">
+        <pc:chgData name="Caleb Hutley" userId="85bc856fac1e4fce" providerId="LiveId" clId="{6A9196D4-64BC-4B17-BD69-93EB3B96EEBE}" dt="2025-10-05T15:36:45.492" v="563" actId="2696"/>
+        <pc:sldMkLst>
+          <pc:docMk/>
+          <pc:sldMk cId="420085515" sldId="273"/>
+        </pc:sldMkLst>
+        <pc:spChg chg="add">
+          <ac:chgData name="Caleb Hutley" userId="85bc856fac1e4fce" providerId="LiveId" clId="{6A9196D4-64BC-4B17-BD69-93EB3B96EEBE}" dt="2025-10-05T15:35:28.316" v="543" actId="26606"/>
+          <ac:spMkLst>
+            <pc:docMk/>
+            <pc:sldMk cId="420085515" sldId="273"/>
+            <ac:spMk id="9" creationId="{A9F529C3-C941-49FD-8C67-82F134F64BDB}"/>
+          </ac:spMkLst>
+        </pc:spChg>
+        <pc:spChg chg="add">
+          <ac:chgData name="Caleb Hutley" userId="85bc856fac1e4fce" providerId="LiveId" clId="{6A9196D4-64BC-4B17-BD69-93EB3B96EEBE}" dt="2025-10-05T15:35:28.316" v="543" actId="26606"/>
+          <ac:spMkLst>
+            <pc:docMk/>
+            <pc:sldMk cId="420085515" sldId="273"/>
+            <ac:spMk id="11" creationId="{20586029-32A0-47E5-9AEC-AE3ABA6B94D0}"/>
+          </ac:spMkLst>
+        </pc:spChg>
+        <pc:picChg chg="add mod">
+          <ac:chgData name="Caleb Hutley" userId="85bc856fac1e4fce" providerId="LiveId" clId="{6A9196D4-64BC-4B17-BD69-93EB3B96EEBE}" dt="2025-10-05T15:35:28.316" v="543" actId="26606"/>
+          <ac:picMkLst>
+            <pc:docMk/>
+            <pc:sldMk cId="420085515" sldId="273"/>
+            <ac:picMk id="3" creationId="{61A2B4DB-0F8C-3BED-2105-10CA460FDF81}"/>
+          </ac:picMkLst>
+        </pc:picChg>
+        <pc:picChg chg="add mod">
+          <ac:chgData name="Caleb Hutley" userId="85bc856fac1e4fce" providerId="LiveId" clId="{6A9196D4-64BC-4B17-BD69-93EB3B96EEBE}" dt="2025-10-05T15:35:28.316" v="543" actId="26606"/>
+          <ac:picMkLst>
+            <pc:docMk/>
+            <pc:sldMk cId="420085515" sldId="273"/>
+            <ac:picMk id="4" creationId="{C1B31DC2-387C-D003-5EED-6BC3154D9F13}"/>
+          </ac:picMkLst>
+        </pc:picChg>
+        <pc:cxnChg chg="add">
+          <ac:chgData name="Caleb Hutley" userId="85bc856fac1e4fce" providerId="LiveId" clId="{6A9196D4-64BC-4B17-BD69-93EB3B96EEBE}" dt="2025-10-05T15:35:28.316" v="543" actId="26606"/>
+          <ac:cxnSpMkLst>
+            <pc:docMk/>
+            <pc:sldMk cId="420085515" sldId="273"/>
+            <ac:cxnSpMk id="13" creationId="{8C730EAB-A532-4295-A302-FB4B90DB9F5E}"/>
+          </ac:cxnSpMkLst>
+        </pc:cxnChg>
+      </pc:sldChg>
+      <pc:sldChg chg="addSp delSp modSp new del mod setBg">
+        <pc:chgData name="Caleb Hutley" userId="85bc856fac1e4fce" providerId="LiveId" clId="{6A9196D4-64BC-4B17-BD69-93EB3B96EEBE}" dt="2025-10-05T15:40:30.066" v="696" actId="2696"/>
+        <pc:sldMkLst>
+          <pc:docMk/>
+          <pc:sldMk cId="2232898898" sldId="274"/>
+        </pc:sldMkLst>
+        <pc:spChg chg="mod">
+          <ac:chgData name="Caleb Hutley" userId="85bc856fac1e4fce" providerId="LiveId" clId="{6A9196D4-64BC-4B17-BD69-93EB3B96EEBE}" dt="2025-10-05T15:37:35.790" v="567" actId="26606"/>
+          <ac:spMkLst>
+            <pc:docMk/>
+            <pc:sldMk cId="2232898898" sldId="274"/>
+            <ac:spMk id="2" creationId="{54D72FC2-1ACB-9872-8DC5-FD89AA671852}"/>
+          </ac:spMkLst>
+        </pc:spChg>
+        <pc:spChg chg="del">
+          <ac:chgData name="Caleb Hutley" userId="85bc856fac1e4fce" providerId="LiveId" clId="{6A9196D4-64BC-4B17-BD69-93EB3B96EEBE}" dt="2025-10-05T15:36:23.027" v="551"/>
+          <ac:spMkLst>
+            <pc:docMk/>
+            <pc:sldMk cId="2232898898" sldId="274"/>
+            <ac:spMk id="3" creationId="{22FECB1C-A011-F30F-6953-35A995E9B5B4}"/>
+          </ac:spMkLst>
+        </pc:spChg>
+        <pc:spChg chg="del">
+          <ac:chgData name="Caleb Hutley" userId="85bc856fac1e4fce" providerId="LiveId" clId="{6A9196D4-64BC-4B17-BD69-93EB3B96EEBE}" dt="2025-10-05T15:36:31.063" v="552"/>
+          <ac:spMkLst>
+            <pc:docMk/>
+            <pc:sldMk cId="2232898898" sldId="274"/>
+            <ac:spMk id="4" creationId="{F94A414D-3F12-7962-6B2A-67CBF2ECC01E}"/>
+          </ac:spMkLst>
+        </pc:spChg>
+        <pc:spChg chg="add mod">
+          <ac:chgData name="Caleb Hutley" userId="85bc856fac1e4fce" providerId="LiveId" clId="{6A9196D4-64BC-4B17-BD69-93EB3B96EEBE}" dt="2025-10-05T15:39:18.505" v="633" actId="1076"/>
+          <ac:spMkLst>
+            <pc:docMk/>
+            <pc:sldMk cId="2232898898" sldId="274"/>
+            <ac:spMk id="8" creationId="{EF5910D0-0368-55B2-7BE6-7686BC2363C1}"/>
+          </ac:spMkLst>
+        </pc:spChg>
+        <pc:spChg chg="add mod">
+          <ac:chgData name="Caleb Hutley" userId="85bc856fac1e4fce" providerId="LiveId" clId="{6A9196D4-64BC-4B17-BD69-93EB3B96EEBE}" dt="2025-10-05T15:39:20.876" v="634" actId="21"/>
+          <ac:spMkLst>
+            <pc:docMk/>
+            <pc:sldMk cId="2232898898" sldId="274"/>
+            <ac:spMk id="10" creationId="{3B84A813-5B9E-EB6A-2019-A162EB317204}"/>
+          </ac:spMkLst>
+        </pc:spChg>
+        <pc:spChg chg="add del">
+          <ac:chgData name="Caleb Hutley" userId="85bc856fac1e4fce" providerId="LiveId" clId="{6A9196D4-64BC-4B17-BD69-93EB3B96EEBE}" dt="2025-10-05T15:36:53.389" v="565" actId="26606"/>
+          <ac:spMkLst>
+            <pc:docMk/>
+            <pc:sldMk cId="2232898898" sldId="274"/>
+            <ac:spMk id="11" creationId="{C4879EFC-8E62-4E00-973C-C45EE9EC676D}"/>
+          </ac:spMkLst>
+        </pc:spChg>
+        <pc:spChg chg="add del">
+          <ac:chgData name="Caleb Hutley" userId="85bc856fac1e4fce" providerId="LiveId" clId="{6A9196D4-64BC-4B17-BD69-93EB3B96EEBE}" dt="2025-10-05T15:36:53.389" v="565" actId="26606"/>
+          <ac:spMkLst>
+            <pc:docMk/>
+            <pc:sldMk cId="2232898898" sldId="274"/>
+            <ac:spMk id="13" creationId="{D6A9C53F-5F90-40A5-8C85-5412D39C8C68}"/>
+          </ac:spMkLst>
+        </pc:spChg>
+        <pc:spChg chg="add del">
+          <ac:chgData name="Caleb Hutley" userId="85bc856fac1e4fce" providerId="LiveId" clId="{6A9196D4-64BC-4B17-BD69-93EB3B96EEBE}" dt="2025-10-05T15:37:35.790" v="567" actId="26606"/>
+          <ac:spMkLst>
+            <pc:docMk/>
+            <pc:sldMk cId="2232898898" sldId="274"/>
+            <ac:spMk id="15" creationId="{A1B139DD-0E8D-42FA-9171-C5F001754A88}"/>
+          </ac:spMkLst>
+        </pc:spChg>
+        <pc:spChg chg="add del">
+          <ac:chgData name="Caleb Hutley" userId="85bc856fac1e4fce" providerId="LiveId" clId="{6A9196D4-64BC-4B17-BD69-93EB3B96EEBE}" dt="2025-10-05T15:37:35.790" v="567" actId="26606"/>
+          <ac:spMkLst>
+            <pc:docMk/>
+            <pc:sldMk cId="2232898898" sldId="274"/>
+            <ac:spMk id="16" creationId="{D0394FE2-BDDA-4ECE-B320-81AE19E90566}"/>
+          </ac:spMkLst>
+        </pc:spChg>
+        <pc:spChg chg="add del">
+          <ac:chgData name="Caleb Hutley" userId="85bc856fac1e4fce" providerId="LiveId" clId="{6A9196D4-64BC-4B17-BD69-93EB3B96EEBE}" dt="2025-10-05T15:37:35.790" v="567" actId="26606"/>
+          <ac:spMkLst>
+            <pc:docMk/>
+            <pc:sldMk cId="2232898898" sldId="274"/>
+            <ac:spMk id="17" creationId="{0625AAC5-802A-4197-8804-2B78FF65CEE8}"/>
+          </ac:spMkLst>
+        </pc:spChg>
+        <pc:spChg chg="add">
+          <ac:chgData name="Caleb Hutley" userId="85bc856fac1e4fce" providerId="LiveId" clId="{6A9196D4-64BC-4B17-BD69-93EB3B96EEBE}" dt="2025-10-05T15:37:35.790" v="567" actId="26606"/>
+          <ac:spMkLst>
+            <pc:docMk/>
+            <pc:sldMk cId="2232898898" sldId="274"/>
+            <ac:spMk id="22" creationId="{78BA5F19-D5E1-4ECC-BEC2-DF7AEDFD7C50}"/>
+          </ac:spMkLst>
+        </pc:spChg>
+        <pc:spChg chg="add">
+          <ac:chgData name="Caleb Hutley" userId="85bc856fac1e4fce" providerId="LiveId" clId="{6A9196D4-64BC-4B17-BD69-93EB3B96EEBE}" dt="2025-10-05T15:37:35.790" v="567" actId="26606"/>
+          <ac:spMkLst>
+            <pc:docMk/>
+            <pc:sldMk cId="2232898898" sldId="274"/>
+            <ac:spMk id="24" creationId="{50CC88A9-A661-4C48-866E-8734E51140B1}"/>
+          </ac:spMkLst>
+        </pc:spChg>
+        <pc:spChg chg="add">
+          <ac:chgData name="Caleb Hutley" userId="85bc856fac1e4fce" providerId="LiveId" clId="{6A9196D4-64BC-4B17-BD69-93EB3B96EEBE}" dt="2025-10-05T15:37:35.790" v="567" actId="26606"/>
+          <ac:spMkLst>
+            <pc:docMk/>
+            <pc:sldMk cId="2232898898" sldId="274"/>
+            <ac:spMk id="26" creationId="{CFDF195F-784B-4D00-8C92-6FC1B0499EA1}"/>
+          </ac:spMkLst>
+        </pc:spChg>
+        <pc:picChg chg="add del mod ord">
+          <ac:chgData name="Caleb Hutley" userId="85bc856fac1e4fce" providerId="LiveId" clId="{6A9196D4-64BC-4B17-BD69-93EB3B96EEBE}" dt="2025-10-05T15:39:20.876" v="634" actId="21"/>
+          <ac:picMkLst>
+            <pc:docMk/>
+            <pc:sldMk cId="2232898898" sldId="274"/>
+            <ac:picMk id="5" creationId="{30B7F585-F5AD-528C-8BD3-BE65AA817E4B}"/>
+          </ac:picMkLst>
+        </pc:picChg>
+        <pc:picChg chg="add del mod">
+          <ac:chgData name="Caleb Hutley" userId="85bc856fac1e4fce" providerId="LiveId" clId="{6A9196D4-64BC-4B17-BD69-93EB3B96EEBE}" dt="2025-10-05T15:39:01.915" v="631" actId="21"/>
+          <ac:picMkLst>
+            <pc:docMk/>
+            <pc:sldMk cId="2232898898" sldId="274"/>
+            <ac:picMk id="6" creationId="{924273EB-34F4-058A-5CC5-224E9D23F62C}"/>
+          </ac:picMkLst>
+        </pc:picChg>
+      </pc:sldChg>
+      <pc:sldChg chg="addSp delSp modSp add mod">
+        <pc:chgData name="Caleb Hutley" userId="85bc856fac1e4fce" providerId="LiveId" clId="{6A9196D4-64BC-4B17-BD69-93EB3B96EEBE}" dt="2025-10-05T15:40:17.287" v="695" actId="20577"/>
+        <pc:sldMkLst>
+          <pc:docMk/>
+          <pc:sldMk cId="1058106241" sldId="275"/>
+        </pc:sldMkLst>
+        <pc:spChg chg="mod">
+          <ac:chgData name="Caleb Hutley" userId="85bc856fac1e4fce" providerId="LiveId" clId="{6A9196D4-64BC-4B17-BD69-93EB3B96EEBE}" dt="2025-10-05T15:40:17.287" v="695" actId="20577"/>
+          <ac:spMkLst>
+            <pc:docMk/>
+            <pc:sldMk cId="1058106241" sldId="275"/>
+            <ac:spMk id="2" creationId="{335C80B4-9247-9017-7EF4-1E395622A343}"/>
+          </ac:spMkLst>
+        </pc:spChg>
+        <pc:picChg chg="del">
+          <ac:chgData name="Caleb Hutley" userId="85bc856fac1e4fce" providerId="LiveId" clId="{6A9196D4-64BC-4B17-BD69-93EB3B96EEBE}" dt="2025-10-05T15:38:57.470" v="630" actId="21"/>
+          <ac:picMkLst>
+            <pc:docMk/>
+            <pc:sldMk cId="1058106241" sldId="275"/>
+            <ac:picMk id="3" creationId="{36BEFFBC-93C8-849A-E32E-FA0BBAFD385B}"/>
+          </ac:picMkLst>
+        </pc:picChg>
+        <pc:picChg chg="add mod">
+          <ac:chgData name="Caleb Hutley" userId="85bc856fac1e4fce" providerId="LiveId" clId="{6A9196D4-64BC-4B17-BD69-93EB3B96EEBE}" dt="2025-10-05T15:39:59.042" v="646" actId="1076"/>
+          <ac:picMkLst>
+            <pc:docMk/>
+            <pc:sldMk cId="1058106241" sldId="275"/>
+            <ac:picMk id="4" creationId="{886DEA68-B697-234E-9B40-23BED193F866}"/>
+          </ac:picMkLst>
+        </pc:picChg>
+        <pc:picChg chg="add mod">
+          <ac:chgData name="Caleb Hutley" userId="85bc856fac1e4fce" providerId="LiveId" clId="{6A9196D4-64BC-4B17-BD69-93EB3B96EEBE}" dt="2025-10-05T15:39:55.813" v="645" actId="1076"/>
+          <ac:picMkLst>
+            <pc:docMk/>
+            <pc:sldMk cId="1058106241" sldId="275"/>
+            <ac:picMk id="5" creationId="{30B7F585-F5AD-528C-8BD3-BE65AA817E4B}"/>
+          </ac:picMkLst>
+        </pc:picChg>
+      </pc:sldChg>
+      <pc:sldChg chg="delSp new mod">
+        <pc:chgData name="Caleb Hutley" userId="85bc856fac1e4fce" providerId="LiveId" clId="{6A9196D4-64BC-4B17-BD69-93EB3B96EEBE}" dt="2025-10-05T15:41:19.526" v="699" actId="21"/>
+        <pc:sldMkLst>
+          <pc:docMk/>
+          <pc:sldMk cId="1850030864" sldId="276"/>
+        </pc:sldMkLst>
+        <pc:spChg chg="del">
+          <ac:chgData name="Caleb Hutley" userId="85bc856fac1e4fce" providerId="LiveId" clId="{6A9196D4-64BC-4B17-BD69-93EB3B96EEBE}" dt="2025-10-05T15:41:19.526" v="699" actId="21"/>
+          <ac:spMkLst>
+            <pc:docMk/>
+            <pc:sldMk cId="1850030864" sldId="276"/>
+            <ac:spMk id="3" creationId="{FFAEA72D-BD66-338C-4B5A-3D6D9B832937}"/>
+          </ac:spMkLst>
+        </pc:spChg>
+        <pc:spChg chg="del">
+          <ac:chgData name="Caleb Hutley" userId="85bc856fac1e4fce" providerId="LiveId" clId="{6A9196D4-64BC-4B17-BD69-93EB3B96EEBE}" dt="2025-10-05T15:41:16.990" v="698" actId="21"/>
+          <ac:spMkLst>
+            <pc:docMk/>
+            <pc:sldMk cId="1850030864" sldId="276"/>
+            <ac:spMk id="4" creationId="{F29D56D9-1AEF-9A7D-AAC2-AD2D1084BA83}"/>
+          </ac:spMkLst>
+        </pc:spChg>
+      </pc:sldChg>
+      <pc:sldChg chg="addSp delSp modSp add mod">
+        <pc:chgData name="Caleb Hutley" userId="85bc856fac1e4fce" providerId="LiveId" clId="{6A9196D4-64BC-4B17-BD69-93EB3B96EEBE}" dt="2025-10-05T15:43:38.395" v="744" actId="14100"/>
+        <pc:sldMkLst>
+          <pc:docMk/>
+          <pc:sldMk cId="3023886827" sldId="277"/>
+        </pc:sldMkLst>
+        <pc:spChg chg="mod">
+          <ac:chgData name="Caleb Hutley" userId="85bc856fac1e4fce" providerId="LiveId" clId="{6A9196D4-64BC-4B17-BD69-93EB3B96EEBE}" dt="2025-10-05T15:42:30.105" v="733" actId="26606"/>
+          <ac:spMkLst>
+            <pc:docMk/>
+            <pc:sldMk cId="3023886827" sldId="277"/>
+            <ac:spMk id="2" creationId="{41A067E5-EA27-DDC9-E4E4-1DE7C62769D3}"/>
+          </ac:spMkLst>
+        </pc:spChg>
+        <pc:spChg chg="ord">
+          <ac:chgData name="Caleb Hutley" userId="85bc856fac1e4fce" providerId="LiveId" clId="{6A9196D4-64BC-4B17-BD69-93EB3B96EEBE}" dt="2025-10-05T15:42:30.105" v="733" actId="26606"/>
+          <ac:spMkLst>
+            <pc:docMk/>
+            <pc:sldMk cId="3023886827" sldId="277"/>
+            <ac:spMk id="6" creationId="{FCA8F540-DC73-2753-ECFE-0E933DB50975}"/>
+          </ac:spMkLst>
+        </pc:spChg>
+        <pc:spChg chg="del">
+          <ac:chgData name="Caleb Hutley" userId="85bc856fac1e4fce" providerId="LiveId" clId="{6A9196D4-64BC-4B17-BD69-93EB3B96EEBE}" dt="2025-10-05T15:42:30.105" v="733" actId="26606"/>
+          <ac:spMkLst>
+            <pc:docMk/>
+            <pc:sldMk cId="3023886827" sldId="277"/>
+            <ac:spMk id="13" creationId="{58881313-375D-9356-AB02-848D697BB7D9}"/>
+          </ac:spMkLst>
+        </pc:spChg>
+        <pc:spChg chg="del">
+          <ac:chgData name="Caleb Hutley" userId="85bc856fac1e4fce" providerId="LiveId" clId="{6A9196D4-64BC-4B17-BD69-93EB3B96EEBE}" dt="2025-10-05T15:42:30.105" v="733" actId="26606"/>
+          <ac:spMkLst>
+            <pc:docMk/>
+            <pc:sldMk cId="3023886827" sldId="277"/>
+            <ac:spMk id="15" creationId="{F8890323-B8FB-F3AB-6C42-F487C3886D2D}"/>
+          </ac:spMkLst>
+        </pc:spChg>
+        <pc:spChg chg="del">
+          <ac:chgData name="Caleb Hutley" userId="85bc856fac1e4fce" providerId="LiveId" clId="{6A9196D4-64BC-4B17-BD69-93EB3B96EEBE}" dt="2025-10-05T15:42:30.105" v="733" actId="26606"/>
+          <ac:spMkLst>
+            <pc:docMk/>
+            <pc:sldMk cId="3023886827" sldId="277"/>
+            <ac:spMk id="17" creationId="{BFC5D018-8A8A-E23C-F571-4E0CECCFD007}"/>
+          </ac:spMkLst>
+        </pc:spChg>
+        <pc:spChg chg="del">
+          <ac:chgData name="Caleb Hutley" userId="85bc856fac1e4fce" providerId="LiveId" clId="{6A9196D4-64BC-4B17-BD69-93EB3B96EEBE}" dt="2025-10-05T15:42:30.105" v="733" actId="26606"/>
+          <ac:spMkLst>
+            <pc:docMk/>
+            <pc:sldMk cId="3023886827" sldId="277"/>
+            <ac:spMk id="19" creationId="{B57751EA-131B-7AC2-FC68-05F8D2F86858}"/>
+          </ac:spMkLst>
+        </pc:spChg>
+        <pc:spChg chg="add">
+          <ac:chgData name="Caleb Hutley" userId="85bc856fac1e4fce" providerId="LiveId" clId="{6A9196D4-64BC-4B17-BD69-93EB3B96EEBE}" dt="2025-10-05T15:42:30.105" v="733" actId="26606"/>
+          <ac:spMkLst>
+            <pc:docMk/>
+            <pc:sldMk cId="3023886827" sldId="277"/>
+            <ac:spMk id="24" creationId="{398F3DEE-0E56-499F-AFAE-C2DA7C2C815B}"/>
+          </ac:spMkLst>
+        </pc:spChg>
+        <pc:spChg chg="add">
+          <ac:chgData name="Caleb Hutley" userId="85bc856fac1e4fce" providerId="LiveId" clId="{6A9196D4-64BC-4B17-BD69-93EB3B96EEBE}" dt="2025-10-05T15:42:30.105" v="733" actId="26606"/>
+          <ac:spMkLst>
+            <pc:docMk/>
+            <pc:sldMk cId="3023886827" sldId="277"/>
+            <ac:spMk id="28" creationId="{3F2162BA-EECD-43E0-99D9-C00B19482E50}"/>
+          </ac:spMkLst>
+        </pc:spChg>
+        <pc:spChg chg="add">
+          <ac:chgData name="Caleb Hutley" userId="85bc856fac1e4fce" providerId="LiveId" clId="{6A9196D4-64BC-4B17-BD69-93EB3B96EEBE}" dt="2025-10-05T15:42:30.105" v="733" actId="26606"/>
+          <ac:spMkLst>
+            <pc:docMk/>
+            <pc:sldMk cId="3023886827" sldId="277"/>
+            <ac:spMk id="30" creationId="{160DB805-F71F-46BB-A8CC-74F6D8306F98}"/>
+          </ac:spMkLst>
+        </pc:spChg>
+        <pc:spChg chg="add">
+          <ac:chgData name="Caleb Hutley" userId="85bc856fac1e4fce" providerId="LiveId" clId="{6A9196D4-64BC-4B17-BD69-93EB3B96EEBE}" dt="2025-10-05T15:42:30.105" v="733" actId="26606"/>
+          <ac:spMkLst>
+            <pc:docMk/>
+            <pc:sldMk cId="3023886827" sldId="277"/>
+            <ac:spMk id="32" creationId="{6F91054C-3439-420E-88EB-F0A5637EC5C4}"/>
+          </ac:spMkLst>
+        </pc:spChg>
+        <pc:picChg chg="add mod">
+          <ac:chgData name="Caleb Hutley" userId="85bc856fac1e4fce" providerId="LiveId" clId="{6A9196D4-64BC-4B17-BD69-93EB3B96EEBE}" dt="2025-10-05T15:43:33.048" v="743" actId="1076"/>
+          <ac:picMkLst>
+            <pc:docMk/>
+            <pc:sldMk cId="3023886827" sldId="277"/>
+            <ac:picMk id="3" creationId="{6D8DCFD0-4419-9931-6C82-13607AF1C032}"/>
+          </ac:picMkLst>
+        </pc:picChg>
+        <pc:picChg chg="mod">
+          <ac:chgData name="Caleb Hutley" userId="85bc856fac1e4fce" providerId="LiveId" clId="{6A9196D4-64BC-4B17-BD69-93EB3B96EEBE}" dt="2025-10-05T15:43:26.679" v="742" actId="14100"/>
+          <ac:picMkLst>
+            <pc:docMk/>
+            <pc:sldMk cId="3023886827" sldId="277"/>
+            <ac:picMk id="4" creationId="{8B0DB7AE-D782-E751-0CE5-151F459BE496}"/>
+          </ac:picMkLst>
+        </pc:picChg>
+        <pc:picChg chg="mod">
+          <ac:chgData name="Caleb Hutley" userId="85bc856fac1e4fce" providerId="LiveId" clId="{6A9196D4-64BC-4B17-BD69-93EB3B96EEBE}" dt="2025-10-05T15:43:38.395" v="744" actId="14100"/>
+          <ac:picMkLst>
+            <pc:docMk/>
+            <pc:sldMk cId="3023886827" sldId="277"/>
+            <ac:picMk id="5" creationId="{A73C9204-AA4D-5CF7-D56D-CCF2299A871A}"/>
+          </ac:picMkLst>
+        </pc:picChg>
+        <pc:picChg chg="add mod">
+          <ac:chgData name="Caleb Hutley" userId="85bc856fac1e4fce" providerId="LiveId" clId="{6A9196D4-64BC-4B17-BD69-93EB3B96EEBE}" dt="2025-10-05T15:43:19.129" v="741" actId="1076"/>
+          <ac:picMkLst>
+            <pc:docMk/>
+            <pc:sldMk cId="3023886827" sldId="277"/>
+            <ac:picMk id="7" creationId="{70CD5E92-04FA-E196-74D8-2A245F58FDB4}"/>
+          </ac:picMkLst>
+        </pc:picChg>
+      </pc:sldChg>
+    </pc:docChg>
+  </pc:docChgLst>
+</pc:chgInfo>
 </file>
 
 <file path=ppt/diagrams/colors1.xml><?xml version="1.0" encoding="utf-8"?>
@@ -3193,7 +3898,7 @@
           <a:p>
             <a:fld id="{F1BD957E-4AC3-46E0-8274-511F97D7F41B}" type="datetimeFigureOut">
               <a:rPr lang="en-US" smtClean="0"/>
-              <a:t>9/25/2025</a:t>
+              <a:t>10/5/2025</a:t>
             </a:fld>
             <a:endParaRPr lang="en-US"/>
           </a:p>
@@ -3607,7 +4312,7 @@
           <a:p>
             <a:fld id="{A86C4A6C-E8DD-4467-9B22-1911E0025A14}" type="datetimeFigureOut">
               <a:rPr lang="en-US" smtClean="0"/>
-              <a:t>9/25/2025</a:t>
+              <a:t>10/5/2025</a:t>
             </a:fld>
             <a:endParaRPr lang="en-US"/>
           </a:p>
@@ -3805,7 +4510,7 @@
           <a:p>
             <a:fld id="{A86C4A6C-E8DD-4467-9B22-1911E0025A14}" type="datetimeFigureOut">
               <a:rPr lang="en-US" smtClean="0"/>
-              <a:t>9/25/2025</a:t>
+              <a:t>10/5/2025</a:t>
             </a:fld>
             <a:endParaRPr lang="en-US"/>
           </a:p>
@@ -4013,7 +4718,7 @@
           <a:p>
             <a:fld id="{A86C4A6C-E8DD-4467-9B22-1911E0025A14}" type="datetimeFigureOut">
               <a:rPr lang="en-US" smtClean="0"/>
-              <a:t>9/25/2025</a:t>
+              <a:t>10/5/2025</a:t>
             </a:fld>
             <a:endParaRPr lang="en-US"/>
           </a:p>
@@ -4211,7 +4916,7 @@
           <a:p>
             <a:fld id="{A86C4A6C-E8DD-4467-9B22-1911E0025A14}" type="datetimeFigureOut">
               <a:rPr lang="en-US" smtClean="0"/>
-              <a:t>9/25/2025</a:t>
+              <a:t>10/5/2025</a:t>
             </a:fld>
             <a:endParaRPr lang="en-US"/>
           </a:p>
@@ -4486,7 +5191,7 @@
           <a:p>
             <a:fld id="{A86C4A6C-E8DD-4467-9B22-1911E0025A14}" type="datetimeFigureOut">
               <a:rPr lang="en-US" smtClean="0"/>
-              <a:t>9/25/2025</a:t>
+              <a:t>10/5/2025</a:t>
             </a:fld>
             <a:endParaRPr lang="en-US"/>
           </a:p>
@@ -4751,7 +5456,7 @@
           <a:p>
             <a:fld id="{A86C4A6C-E8DD-4467-9B22-1911E0025A14}" type="datetimeFigureOut">
               <a:rPr lang="en-US" smtClean="0"/>
-              <a:t>9/25/2025</a:t>
+              <a:t>10/5/2025</a:t>
             </a:fld>
             <a:endParaRPr lang="en-US"/>
           </a:p>
@@ -5163,7 +5868,7 @@
           <a:p>
             <a:fld id="{A86C4A6C-E8DD-4467-9B22-1911E0025A14}" type="datetimeFigureOut">
               <a:rPr lang="en-US" smtClean="0"/>
-              <a:t>9/25/2025</a:t>
+              <a:t>10/5/2025</a:t>
             </a:fld>
             <a:endParaRPr lang="en-US"/>
           </a:p>
@@ -5304,7 +6009,7 @@
           <a:p>
             <a:fld id="{A86C4A6C-E8DD-4467-9B22-1911E0025A14}" type="datetimeFigureOut">
               <a:rPr lang="en-US" smtClean="0"/>
-              <a:t>9/25/2025</a:t>
+              <a:t>10/5/2025</a:t>
             </a:fld>
             <a:endParaRPr lang="en-US"/>
           </a:p>
@@ -5417,7 +6122,7 @@
           <a:p>
             <a:fld id="{A86C4A6C-E8DD-4467-9B22-1911E0025A14}" type="datetimeFigureOut">
               <a:rPr lang="en-US" smtClean="0"/>
-              <a:t>9/25/2025</a:t>
+              <a:t>10/5/2025</a:t>
             </a:fld>
             <a:endParaRPr lang="en-US"/>
           </a:p>
@@ -5728,7 +6433,7 @@
           <a:p>
             <a:fld id="{A86C4A6C-E8DD-4467-9B22-1911E0025A14}" type="datetimeFigureOut">
               <a:rPr lang="en-US" smtClean="0"/>
-              <a:t>9/25/2025</a:t>
+              <a:t>10/5/2025</a:t>
             </a:fld>
             <a:endParaRPr lang="en-US"/>
           </a:p>
@@ -6016,7 +6721,7 @@
           <a:p>
             <a:fld id="{A86C4A6C-E8DD-4467-9B22-1911E0025A14}" type="datetimeFigureOut">
               <a:rPr lang="en-US" smtClean="0"/>
-              <a:t>9/25/2025</a:t>
+              <a:t>10/5/2025</a:t>
             </a:fld>
             <a:endParaRPr lang="en-US"/>
           </a:p>
@@ -6257,7 +6962,7 @@
           <a:p>
             <a:fld id="{A86C4A6C-E8DD-4467-9B22-1911E0025A14}" type="datetimeFigureOut">
               <a:rPr lang="en-US" smtClean="0"/>
-              <a:t>9/25/2025</a:t>
+              <a:t>10/5/2025</a:t>
             </a:fld>
             <a:endParaRPr lang="en-US"/>
           </a:p>
@@ -8398,7 +9103,7 @@
           <a:lstStyle/>
           <a:p>
             <a:r>
-              <a:rPr lang="en-US" sz="4000" kern="1200">
+              <a:rPr lang="en-US" sz="4000" kern="1200" dirty="0">
                 <a:solidFill>
                   <a:srgbClr val="FFFFFF"/>
                 </a:solidFill>
@@ -8406,7 +9111,7 @@
                 <a:ea typeface="+mj-ea"/>
                 <a:cs typeface="+mj-cs"/>
               </a:rPr>
-              <a:t>Pie Chart - Code</a:t>
+              <a:t>Pie Chart</a:t>
             </a:r>
           </a:p>
         </p:txBody>
@@ -8427,14 +9132,45 @@
         </p:nvPicPr>
         <p:blipFill>
           <a:blip r:embed="rId2"/>
+          <a:srcRect t="73686"/>
           <a:stretch>
             <a:fillRect/>
           </a:stretch>
         </p:blipFill>
         <p:spPr>
           <a:xfrm>
-            <a:off x="764071" y="1966293"/>
-            <a:ext cx="10663857" cy="4452160"/>
+            <a:off x="2077206" y="1655276"/>
+            <a:ext cx="8037587" cy="883015"/>
+          </a:xfrm>
+          <a:prstGeom prst="rect">
+            <a:avLst/>
+          </a:prstGeom>
+        </p:spPr>
+      </p:pic>
+      <p:pic>
+        <p:nvPicPr>
+          <p:cNvPr id="3" name="Picture 2">
+            <a:extLst>
+              <a:ext uri="{FF2B5EF4-FFF2-40B4-BE49-F238E27FC236}">
+                <a16:creationId xmlns:a16="http://schemas.microsoft.com/office/drawing/2014/main" id="{DB5C18B4-4285-407F-31D6-E6C3F6F8C091}"/>
+              </a:ext>
+            </a:extLst>
+          </p:cNvPr>
+          <p:cNvPicPr>
+            <a:picLocks noChangeAspect="1"/>
+          </p:cNvPicPr>
+          <p:nvPr/>
+        </p:nvPicPr>
+        <p:blipFill>
+          <a:blip r:embed="rId3"/>
+          <a:stretch>
+            <a:fillRect/>
+          </a:stretch>
+        </p:blipFill>
+        <p:spPr>
+          <a:xfrm>
+            <a:off x="3522414" y="2538291"/>
+            <a:ext cx="5147171" cy="4319709"/>
           </a:xfrm>
           <a:prstGeom prst="rect">
             <a:avLst/>
@@ -8481,10 +9217,10 @@
       </p:grpSpPr>
       <p:sp useBgFill="1">
         <p:nvSpPr>
-          <p:cNvPr id="10" name="Rectangle 9">
-            <a:extLst>
-              <a:ext uri="{FF2B5EF4-FFF2-40B4-BE49-F238E27FC236}">
-                <a16:creationId xmlns:a16="http://schemas.microsoft.com/office/drawing/2014/main" id="{A8384FB5-9ADC-4DDC-881B-597D56F5B15D}"/>
+          <p:cNvPr id="11" name="Rectangle 10">
+            <a:extLst>
+              <a:ext uri="{FF2B5EF4-FFF2-40B4-BE49-F238E27FC236}">
+                <a16:creationId xmlns:a16="http://schemas.microsoft.com/office/drawing/2014/main" id="{2151139A-886F-4B97-8815-729AD3831BBD}"/>
               </a:ext>
               <a:ext uri="{C183D7F6-B498-43B3-948B-1728B52AA6E4}">
                 <adec:decorative xmlns:adec="http://schemas.microsoft.com/office/drawing/2017/decorative" val="1"/>
@@ -8551,16 +9287,1115 @@
           <a:lstStyle/>
           <a:p>
             <a:pPr algn="ctr"/>
-            <a:endParaRPr lang="en-US"/>
+            <a:endParaRPr lang="en-US" sz="2000"/>
           </a:p>
         </p:txBody>
       </p:sp>
       <p:sp>
         <p:nvSpPr>
-          <p:cNvPr id="12" name="Rectangle 11">
-            <a:extLst>
-              <a:ext uri="{FF2B5EF4-FFF2-40B4-BE49-F238E27FC236}">
-                <a16:creationId xmlns:a16="http://schemas.microsoft.com/office/drawing/2014/main" id="{91E5A9A7-95C6-4F4F-B00E-C82E07FE62EF}"/>
+          <p:cNvPr id="13" name="Rectangle 12">
+            <a:extLst>
+              <a:ext uri="{FF2B5EF4-FFF2-40B4-BE49-F238E27FC236}">
+                <a16:creationId xmlns:a16="http://schemas.microsoft.com/office/drawing/2014/main" id="{AB5E08C4-8CDD-4623-A5B8-E998C6DEE3B7}"/>
+              </a:ext>
+              <a:ext uri="{C183D7F6-B498-43B3-948B-1728B52AA6E4}">
+                <adec:decorative xmlns:adec="http://schemas.microsoft.com/office/drawing/2017/decorative" val="1"/>
+              </a:ext>
+            </a:extLst>
+          </p:cNvPr>
+          <p:cNvSpPr>
+            <a:spLocks noGrp="1" noRot="1" noChangeAspect="1" noMove="1" noResize="1" noEditPoints="1" noAdjustHandles="1" noChangeArrowheads="1" noChangeShapeType="1" noTextEdit="1"/>
+          </p:cNvSpPr>
+          <p:nvPr>
+            <p:extLst>
+              <p:ext uri="{386F3935-93C4-4BCD-93E2-E3B085C9AB24}">
+                <p16:designElem xmlns:p16="http://schemas.microsoft.com/office/powerpoint/2015/main" val="1"/>
+              </p:ext>
+            </p:extLst>
+          </p:nvPr>
+        </p:nvSpPr>
+        <p:spPr>
+          <a:xfrm flipH="1">
+            <a:off x="2" y="492"/>
+            <a:ext cx="12191998" cy="1575955"/>
+          </a:xfrm>
+          <a:prstGeom prst="rect">
+            <a:avLst/>
+          </a:prstGeom>
+          <a:gradFill>
+            <a:gsLst>
+              <a:gs pos="0">
+                <a:schemeClr val="accent1">
+                  <a:lumMod val="50000"/>
+                </a:schemeClr>
+              </a:gs>
+              <a:gs pos="100000">
+                <a:schemeClr val="accent1">
+                  <a:lumMod val="75000"/>
+                </a:schemeClr>
+              </a:gs>
+            </a:gsLst>
+            <a:lin ang="8400000" scaled="0"/>
+          </a:gradFill>
+          <a:ln>
+            <a:noFill/>
+          </a:ln>
+        </p:spPr>
+        <p:style>
+          <a:lnRef idx="2">
+            <a:schemeClr val="accent1">
+              <a:shade val="50000"/>
+            </a:schemeClr>
+          </a:lnRef>
+          <a:fillRef idx="1">
+            <a:schemeClr val="accent1"/>
+          </a:fillRef>
+          <a:effectRef idx="0">
+            <a:schemeClr val="accent1"/>
+          </a:effectRef>
+          <a:fontRef idx="minor">
+            <a:schemeClr val="lt1"/>
+          </a:fontRef>
+        </p:style>
+        <p:txBody>
+          <a:bodyPr rtlCol="0" anchor="ctr"/>
+          <a:lstStyle/>
+          <a:p>
+            <a:pPr algn="ctr"/>
+            <a:endParaRPr lang="en-US"/>
+          </a:p>
+        </p:txBody>
+      </p:sp>
+      <p:sp>
+        <p:nvSpPr>
+          <p:cNvPr id="15" name="Rectangle 14">
+            <a:extLst>
+              <a:ext uri="{FF2B5EF4-FFF2-40B4-BE49-F238E27FC236}">
+                <a16:creationId xmlns:a16="http://schemas.microsoft.com/office/drawing/2014/main" id="{15F33878-D502-4FFA-8ACE-F2AECDB2A23F}"/>
+              </a:ext>
+              <a:ext uri="{C183D7F6-B498-43B3-948B-1728B52AA6E4}">
+                <adec:decorative xmlns:adec="http://schemas.microsoft.com/office/drawing/2017/decorative" val="1"/>
+              </a:ext>
+            </a:extLst>
+          </p:cNvPr>
+          <p:cNvSpPr>
+            <a:spLocks noGrp="1" noRot="1" noChangeAspect="1" noMove="1" noResize="1" noEditPoints="1" noAdjustHandles="1" noChangeArrowheads="1" noChangeShapeType="1" noTextEdit="1"/>
+          </p:cNvSpPr>
+          <p:nvPr>
+            <p:extLst>
+              <p:ext uri="{386F3935-93C4-4BCD-93E2-E3B085C9AB24}">
+                <p16:designElem xmlns:p16="http://schemas.microsoft.com/office/powerpoint/2015/main" val="1"/>
+              </p:ext>
+            </p:extLst>
+          </p:nvPr>
+        </p:nvSpPr>
+        <p:spPr>
+          <a:xfrm rot="10800000" flipH="1">
+            <a:off x="8128857" y="35"/>
+            <a:ext cx="4063143" cy="1576412"/>
+          </a:xfrm>
+          <a:prstGeom prst="rect">
+            <a:avLst/>
+          </a:prstGeom>
+          <a:gradFill>
+            <a:gsLst>
+              <a:gs pos="19000">
+                <a:schemeClr val="accent1">
+                  <a:lumMod val="50000"/>
+                  <a:alpha val="68000"/>
+                </a:schemeClr>
+              </a:gs>
+              <a:gs pos="100000">
+                <a:schemeClr val="accent1">
+                  <a:alpha val="79000"/>
+                </a:schemeClr>
+              </a:gs>
+            </a:gsLst>
+            <a:lin ang="19200000" scaled="0"/>
+          </a:gradFill>
+          <a:ln>
+            <a:noFill/>
+          </a:ln>
+        </p:spPr>
+        <p:style>
+          <a:lnRef idx="2">
+            <a:schemeClr val="accent1">
+              <a:shade val="50000"/>
+            </a:schemeClr>
+          </a:lnRef>
+          <a:fillRef idx="1">
+            <a:schemeClr val="accent1"/>
+          </a:fillRef>
+          <a:effectRef idx="0">
+            <a:schemeClr val="accent1"/>
+          </a:effectRef>
+          <a:fontRef idx="minor">
+            <a:schemeClr val="lt1"/>
+          </a:fontRef>
+        </p:style>
+        <p:txBody>
+          <a:bodyPr rtlCol="0" anchor="ctr"/>
+          <a:lstStyle/>
+          <a:p>
+            <a:pPr algn="ctr"/>
+            <a:endParaRPr lang="en-US"/>
+          </a:p>
+        </p:txBody>
+      </p:sp>
+      <p:sp>
+        <p:nvSpPr>
+          <p:cNvPr id="17" name="Rectangle 16">
+            <a:extLst>
+              <a:ext uri="{FF2B5EF4-FFF2-40B4-BE49-F238E27FC236}">
+                <a16:creationId xmlns:a16="http://schemas.microsoft.com/office/drawing/2014/main" id="{D3539FEE-81D3-4406-802E-60B20B16F4F6}"/>
+              </a:ext>
+              <a:ext uri="{C183D7F6-B498-43B3-948B-1728B52AA6E4}">
+                <adec:decorative xmlns:adec="http://schemas.microsoft.com/office/drawing/2017/decorative" val="1"/>
+              </a:ext>
+            </a:extLst>
+          </p:cNvPr>
+          <p:cNvSpPr>
+            <a:spLocks noGrp="1" noRot="1" noChangeAspect="1" noMove="1" noResize="1" noEditPoints="1" noAdjustHandles="1" noChangeArrowheads="1" noChangeShapeType="1" noTextEdit="1"/>
+          </p:cNvSpPr>
+          <p:nvPr>
+            <p:extLst>
+              <p:ext uri="{386F3935-93C4-4BCD-93E2-E3B085C9AB24}">
+                <p16:designElem xmlns:p16="http://schemas.microsoft.com/office/powerpoint/2015/main" val="1"/>
+              </p:ext>
+            </p:extLst>
+          </p:nvPr>
+        </p:nvSpPr>
+        <p:spPr>
+          <a:xfrm rot="5400000">
+            <a:off x="5307778" y="-5307777"/>
+            <a:ext cx="1576446" cy="12192001"/>
+          </a:xfrm>
+          <a:prstGeom prst="rect">
+            <a:avLst/>
+          </a:prstGeom>
+          <a:gradFill>
+            <a:gsLst>
+              <a:gs pos="16000">
+                <a:srgbClr val="000000">
+                  <a:alpha val="0"/>
+                </a:srgbClr>
+              </a:gs>
+              <a:gs pos="99000">
+                <a:srgbClr val="000000">
+                  <a:alpha val="87000"/>
+                </a:srgbClr>
+              </a:gs>
+            </a:gsLst>
+            <a:lin ang="11400000" scaled="0"/>
+          </a:gradFill>
+          <a:ln>
+            <a:noFill/>
+          </a:ln>
+        </p:spPr>
+        <p:style>
+          <a:lnRef idx="2">
+            <a:schemeClr val="accent1">
+              <a:shade val="50000"/>
+            </a:schemeClr>
+          </a:lnRef>
+          <a:fillRef idx="1">
+            <a:schemeClr val="accent1"/>
+          </a:fillRef>
+          <a:effectRef idx="0">
+            <a:schemeClr val="accent1"/>
+          </a:effectRef>
+          <a:fontRef idx="minor">
+            <a:schemeClr val="lt1"/>
+          </a:fontRef>
+        </p:style>
+        <p:txBody>
+          <a:bodyPr rtlCol="0" anchor="ctr"/>
+          <a:lstStyle/>
+          <a:p>
+            <a:pPr algn="ctr"/>
+            <a:endParaRPr lang="en-US" dirty="0"/>
+          </a:p>
+        </p:txBody>
+      </p:sp>
+      <p:sp>
+        <p:nvSpPr>
+          <p:cNvPr id="19" name="Rectangle 18">
+            <a:extLst>
+              <a:ext uri="{FF2B5EF4-FFF2-40B4-BE49-F238E27FC236}">
+                <a16:creationId xmlns:a16="http://schemas.microsoft.com/office/drawing/2014/main" id="{DC701763-729E-462F-A5A8-E0DEFEB1E2E4}"/>
+              </a:ext>
+              <a:ext uri="{C183D7F6-B498-43B3-948B-1728B52AA6E4}">
+                <adec:decorative xmlns:adec="http://schemas.microsoft.com/office/drawing/2017/decorative" val="1"/>
+              </a:ext>
+            </a:extLst>
+          </p:cNvPr>
+          <p:cNvSpPr>
+            <a:spLocks noGrp="1" noRot="1" noChangeAspect="1" noMove="1" noResize="1" noEditPoints="1" noAdjustHandles="1" noChangeArrowheads="1" noChangeShapeType="1" noTextEdit="1"/>
+          </p:cNvSpPr>
+          <p:nvPr>
+            <p:extLst>
+              <p:ext uri="{386F3935-93C4-4BCD-93E2-E3B085C9AB24}">
+                <p16:designElem xmlns:p16="http://schemas.microsoft.com/office/powerpoint/2015/main" val="1"/>
+              </p:ext>
+            </p:extLst>
+          </p:nvPr>
+        </p:nvSpPr>
+        <p:spPr>
+          <a:xfrm>
+            <a:off x="3825434" y="986"/>
+            <a:ext cx="4303422" cy="1575461"/>
+          </a:xfrm>
+          <a:prstGeom prst="rect">
+            <a:avLst/>
+          </a:prstGeom>
+          <a:gradFill>
+            <a:gsLst>
+              <a:gs pos="0">
+                <a:schemeClr val="accent1">
+                  <a:alpha val="17000"/>
+                </a:schemeClr>
+              </a:gs>
+              <a:gs pos="74000">
+                <a:schemeClr val="accent1">
+                  <a:lumMod val="50000"/>
+                  <a:alpha val="0"/>
+                </a:schemeClr>
+              </a:gs>
+            </a:gsLst>
+            <a:lin ang="14400000" scaled="0"/>
+          </a:gradFill>
+          <a:ln>
+            <a:noFill/>
+          </a:ln>
+        </p:spPr>
+        <p:style>
+          <a:lnRef idx="2">
+            <a:schemeClr val="accent1">
+              <a:shade val="50000"/>
+            </a:schemeClr>
+          </a:lnRef>
+          <a:fillRef idx="1">
+            <a:schemeClr val="accent1"/>
+          </a:fillRef>
+          <a:effectRef idx="0">
+            <a:schemeClr val="accent1"/>
+          </a:effectRef>
+          <a:fontRef idx="minor">
+            <a:schemeClr val="lt1"/>
+          </a:fontRef>
+        </p:style>
+        <p:txBody>
+          <a:bodyPr rtlCol="0" anchor="ctr"/>
+          <a:lstStyle/>
+          <a:p>
+            <a:pPr algn="ctr"/>
+            <a:endParaRPr lang="en-US"/>
+          </a:p>
+        </p:txBody>
+      </p:sp>
+      <p:sp>
+        <p:nvSpPr>
+          <p:cNvPr id="2" name="Title 1">
+            <a:extLst>
+              <a:ext uri="{FF2B5EF4-FFF2-40B4-BE49-F238E27FC236}">
+                <a16:creationId xmlns:a16="http://schemas.microsoft.com/office/drawing/2014/main" id="{7CE3BB7F-F098-5508-DCDC-29F913E12BE3}"/>
+              </a:ext>
+            </a:extLst>
+          </p:cNvPr>
+          <p:cNvSpPr>
+            <a:spLocks noGrp="1"/>
+          </p:cNvSpPr>
+          <p:nvPr>
+            <p:ph type="title"/>
+          </p:nvPr>
+        </p:nvSpPr>
+        <p:spPr>
+          <a:xfrm>
+            <a:off x="699714" y="353160"/>
+            <a:ext cx="7091300" cy="898581"/>
+          </a:xfrm>
+        </p:spPr>
+        <p:txBody>
+          <a:bodyPr vert="horz" lIns="91440" tIns="45720" rIns="91440" bIns="45720" rtlCol="0" anchor="ctr">
+            <a:normAutofit fontScale="90000"/>
+          </a:bodyPr>
+          <a:lstStyle/>
+          <a:p>
+            <a:r>
+              <a:rPr lang="en-US" sz="4000" dirty="0">
+                <a:solidFill>
+                  <a:srgbClr val="FFFFFF"/>
+                </a:solidFill>
+              </a:rPr>
+              <a:t>Scatter Plot and Linear Regression</a:t>
+            </a:r>
+          </a:p>
+        </p:txBody>
+      </p:sp>
+      <p:sp>
+        <p:nvSpPr>
+          <p:cNvPr id="6" name="TextBox 5">
+            <a:extLst>
+              <a:ext uri="{FF2B5EF4-FFF2-40B4-BE49-F238E27FC236}">
+                <a16:creationId xmlns:a16="http://schemas.microsoft.com/office/drawing/2014/main" id="{486B758C-9656-5991-86D5-5AE26A9B48FF}"/>
+              </a:ext>
+            </a:extLst>
+          </p:cNvPr>
+          <p:cNvSpPr txBox="1"/>
+          <p:nvPr/>
+        </p:nvSpPr>
+        <p:spPr>
+          <a:xfrm>
+            <a:off x="8571507" y="387224"/>
+            <a:ext cx="3291839" cy="830453"/>
+          </a:xfrm>
+          <a:prstGeom prst="rect">
+            <a:avLst/>
+          </a:prstGeom>
+        </p:spPr>
+        <p:txBody>
+          <a:bodyPr vert="horz" lIns="91440" tIns="45720" rIns="91440" bIns="45720" rtlCol="0" anchor="ctr">
+            <a:normAutofit/>
+          </a:bodyPr>
+          <a:lstStyle/>
+          <a:p>
+            <a:pPr>
+              <a:lnSpc>
+                <a:spcPct val="90000"/>
+              </a:lnSpc>
+              <a:spcBef>
+                <a:spcPts val="1000"/>
+              </a:spcBef>
+            </a:pPr>
+            <a:endParaRPr lang="en-US" sz="2000" dirty="0">
+              <a:solidFill>
+                <a:srgbClr val="FFFFFF"/>
+              </a:solidFill>
+            </a:endParaRPr>
+          </a:p>
+        </p:txBody>
+      </p:sp>
+      <p:pic>
+        <p:nvPicPr>
+          <p:cNvPr id="3" name="Picture 2">
+            <a:extLst>
+              <a:ext uri="{FF2B5EF4-FFF2-40B4-BE49-F238E27FC236}">
+                <a16:creationId xmlns:a16="http://schemas.microsoft.com/office/drawing/2014/main" id="{CB6DE33E-040C-11EC-85D6-7253CC93C028}"/>
+              </a:ext>
+            </a:extLst>
+          </p:cNvPr>
+          <p:cNvPicPr>
+            <a:picLocks noChangeAspect="1"/>
+          </p:cNvPicPr>
+          <p:nvPr/>
+        </p:nvPicPr>
+        <p:blipFill>
+          <a:blip r:embed="rId2"/>
+          <a:stretch>
+            <a:fillRect/>
+          </a:stretch>
+        </p:blipFill>
+        <p:spPr>
+          <a:xfrm>
+            <a:off x="2497006" y="1603915"/>
+            <a:ext cx="7197987" cy="5218541"/>
+          </a:xfrm>
+          <a:prstGeom prst="rect">
+            <a:avLst/>
+          </a:prstGeom>
+        </p:spPr>
+      </p:pic>
+    </p:spTree>
+    <p:extLst>
+      <p:ext uri="{BB962C8B-B14F-4D97-AF65-F5344CB8AC3E}">
+        <p14:creationId xmlns:p14="http://schemas.microsoft.com/office/powerpoint/2010/main" val="3365467992"/>
+      </p:ext>
+    </p:extLst>
+  </p:cSld>
+  <p:clrMapOvr>
+    <a:masterClrMapping/>
+  </p:clrMapOvr>
+</p:sld>
+</file>
+
+<file path=ppt/slides/slide13.xml><?xml version="1.0" encoding="utf-8"?>
+<p:sld xmlns:a="http://schemas.openxmlformats.org/drawingml/2006/main" xmlns:r="http://schemas.openxmlformats.org/officeDocument/2006/relationships" xmlns:p="http://schemas.openxmlformats.org/presentationml/2006/main">
+  <p:cSld>
+    <p:bg>
+      <p:bgPr>
+        <a:solidFill>
+          <a:schemeClr val="bg1"/>
+        </a:solidFill>
+        <a:effectLst/>
+      </p:bgPr>
+    </p:bg>
+    <p:spTree>
+      <p:nvGrpSpPr>
+        <p:cNvPr id="1" name="">
+          <a:extLst>
+            <a:ext uri="{FF2B5EF4-FFF2-40B4-BE49-F238E27FC236}">
+              <a16:creationId xmlns:a16="http://schemas.microsoft.com/office/drawing/2014/main" id="{BB1F9B1E-B6B1-23E5-8861-2D4D9E916237}"/>
+            </a:ext>
+          </a:extLst>
+        </p:cNvPr>
+        <p:cNvGrpSpPr/>
+        <p:nvPr/>
+      </p:nvGrpSpPr>
+      <p:grpSpPr>
+        <a:xfrm>
+          <a:off x="0" y="0"/>
+          <a:ext cx="0" cy="0"/>
+          <a:chOff x="0" y="0"/>
+          <a:chExt cx="0" cy="0"/>
+        </a:xfrm>
+      </p:grpSpPr>
+      <p:sp useBgFill="1">
+        <p:nvSpPr>
+          <p:cNvPr id="11" name="Rectangle 10">
+            <a:extLst>
+              <a:ext uri="{FF2B5EF4-FFF2-40B4-BE49-F238E27FC236}">
+                <a16:creationId xmlns:a16="http://schemas.microsoft.com/office/drawing/2014/main" id="{93F3CF43-283C-CE3F-8618-B0459D5454DA}"/>
+              </a:ext>
+              <a:ext uri="{C183D7F6-B498-43B3-948B-1728B52AA6E4}">
+                <adec:decorative xmlns:adec="http://schemas.microsoft.com/office/drawing/2017/decorative" val="1"/>
+              </a:ext>
+            </a:extLst>
+          </p:cNvPr>
+          <p:cNvSpPr>
+            <a:spLocks noGrp="1" noRot="1" noChangeAspect="1" noMove="1" noResize="1" noEditPoints="1" noAdjustHandles="1" noChangeArrowheads="1" noChangeShapeType="1" noTextEdit="1"/>
+          </p:cNvSpPr>
+          <p:nvPr>
+            <p:extLst>
+              <p:ext uri="{386F3935-93C4-4BCD-93E2-E3B085C9AB24}">
+                <p16:designElem xmlns:p16="http://schemas.microsoft.com/office/powerpoint/2015/main" val="1"/>
+              </p:ext>
+            </p:extLst>
+          </p:nvPr>
+        </p:nvSpPr>
+        <p:spPr>
+          <a:xfrm>
+            <a:off x="0" y="0"/>
+            <a:ext cx="12192000" cy="6858000"/>
+          </a:xfrm>
+          <a:prstGeom prst="rect">
+            <a:avLst/>
+          </a:prstGeom>
+          <a:ln w="12700" cap="flat" cmpd="sng" algn="ctr">
+            <a:noFill/>
+            <a:prstDash val="solid"/>
+            <a:miter lim="800000"/>
+          </a:ln>
+          <a:effectLst/>
+          <a:extLst>
+            <a:ext uri="{91240B29-F687-4F45-9708-019B960494DF}">
+              <a14:hiddenLine xmlns:a14="http://schemas.microsoft.com/office/drawing/2010/main" w="12700" cap="flat" cmpd="sng" algn="ctr">
+                <a:solidFill>
+                  <a:schemeClr val="accent1">
+                    <a:shade val="50000"/>
+                  </a:schemeClr>
+                </a:solidFill>
+                <a:prstDash val="solid"/>
+                <a:miter lim="800000"/>
+              </a14:hiddenLine>
+            </a:ext>
+          </a:extLst>
+        </p:spPr>
+        <p:style>
+          <a:lnRef idx="2">
+            <a:schemeClr val="accent1">
+              <a:shade val="50000"/>
+            </a:schemeClr>
+          </a:lnRef>
+          <a:fillRef idx="1">
+            <a:schemeClr val="accent1"/>
+          </a:fillRef>
+          <a:effectRef idx="0">
+            <a:schemeClr val="accent1"/>
+          </a:effectRef>
+          <a:fontRef idx="minor">
+            <a:schemeClr val="lt1"/>
+          </a:fontRef>
+        </p:style>
+        <p:txBody>
+          <a:bodyPr rtlCol="0" anchor="ctr"/>
+          <a:lstStyle/>
+          <a:p>
+            <a:pPr algn="ctr"/>
+            <a:endParaRPr lang="en-US" sz="2000"/>
+          </a:p>
+        </p:txBody>
+      </p:sp>
+      <p:sp>
+        <p:nvSpPr>
+          <p:cNvPr id="13" name="Rectangle 12">
+            <a:extLst>
+              <a:ext uri="{FF2B5EF4-FFF2-40B4-BE49-F238E27FC236}">
+                <a16:creationId xmlns:a16="http://schemas.microsoft.com/office/drawing/2014/main" id="{F6A41CDE-C900-E8FA-F4AF-065201E34C7B}"/>
+              </a:ext>
+              <a:ext uri="{C183D7F6-B498-43B3-948B-1728B52AA6E4}">
+                <adec:decorative xmlns:adec="http://schemas.microsoft.com/office/drawing/2017/decorative" val="1"/>
+              </a:ext>
+            </a:extLst>
+          </p:cNvPr>
+          <p:cNvSpPr>
+            <a:spLocks noGrp="1" noRot="1" noChangeAspect="1" noMove="1" noResize="1" noEditPoints="1" noAdjustHandles="1" noChangeArrowheads="1" noChangeShapeType="1" noTextEdit="1"/>
+          </p:cNvSpPr>
+          <p:nvPr>
+            <p:extLst>
+              <p:ext uri="{386F3935-93C4-4BCD-93E2-E3B085C9AB24}">
+                <p16:designElem xmlns:p16="http://schemas.microsoft.com/office/powerpoint/2015/main" val="1"/>
+              </p:ext>
+            </p:extLst>
+          </p:nvPr>
+        </p:nvSpPr>
+        <p:spPr>
+          <a:xfrm flipH="1">
+            <a:off x="2" y="492"/>
+            <a:ext cx="12191998" cy="1575955"/>
+          </a:xfrm>
+          <a:prstGeom prst="rect">
+            <a:avLst/>
+          </a:prstGeom>
+          <a:gradFill>
+            <a:gsLst>
+              <a:gs pos="0">
+                <a:schemeClr val="accent1">
+                  <a:lumMod val="50000"/>
+                </a:schemeClr>
+              </a:gs>
+              <a:gs pos="100000">
+                <a:schemeClr val="accent1">
+                  <a:lumMod val="75000"/>
+                </a:schemeClr>
+              </a:gs>
+            </a:gsLst>
+            <a:lin ang="8400000" scaled="0"/>
+          </a:gradFill>
+          <a:ln>
+            <a:noFill/>
+          </a:ln>
+        </p:spPr>
+        <p:style>
+          <a:lnRef idx="2">
+            <a:schemeClr val="accent1">
+              <a:shade val="50000"/>
+            </a:schemeClr>
+          </a:lnRef>
+          <a:fillRef idx="1">
+            <a:schemeClr val="accent1"/>
+          </a:fillRef>
+          <a:effectRef idx="0">
+            <a:schemeClr val="accent1"/>
+          </a:effectRef>
+          <a:fontRef idx="minor">
+            <a:schemeClr val="lt1"/>
+          </a:fontRef>
+        </p:style>
+        <p:txBody>
+          <a:bodyPr rtlCol="0" anchor="ctr"/>
+          <a:lstStyle/>
+          <a:p>
+            <a:pPr algn="ctr"/>
+            <a:endParaRPr lang="en-US"/>
+          </a:p>
+        </p:txBody>
+      </p:sp>
+      <p:sp>
+        <p:nvSpPr>
+          <p:cNvPr id="15" name="Rectangle 14">
+            <a:extLst>
+              <a:ext uri="{FF2B5EF4-FFF2-40B4-BE49-F238E27FC236}">
+                <a16:creationId xmlns:a16="http://schemas.microsoft.com/office/drawing/2014/main" id="{1A62825C-5398-0EB9-88B2-E82B6AFC3406}"/>
+              </a:ext>
+              <a:ext uri="{C183D7F6-B498-43B3-948B-1728B52AA6E4}">
+                <adec:decorative xmlns:adec="http://schemas.microsoft.com/office/drawing/2017/decorative" val="1"/>
+              </a:ext>
+            </a:extLst>
+          </p:cNvPr>
+          <p:cNvSpPr>
+            <a:spLocks noGrp="1" noRot="1" noChangeAspect="1" noMove="1" noResize="1" noEditPoints="1" noAdjustHandles="1" noChangeArrowheads="1" noChangeShapeType="1" noTextEdit="1"/>
+          </p:cNvSpPr>
+          <p:nvPr>
+            <p:extLst>
+              <p:ext uri="{386F3935-93C4-4BCD-93E2-E3B085C9AB24}">
+                <p16:designElem xmlns:p16="http://schemas.microsoft.com/office/powerpoint/2015/main" val="1"/>
+              </p:ext>
+            </p:extLst>
+          </p:nvPr>
+        </p:nvSpPr>
+        <p:spPr>
+          <a:xfrm rot="10800000" flipH="1">
+            <a:off x="8128857" y="35"/>
+            <a:ext cx="4063143" cy="1576412"/>
+          </a:xfrm>
+          <a:prstGeom prst="rect">
+            <a:avLst/>
+          </a:prstGeom>
+          <a:gradFill>
+            <a:gsLst>
+              <a:gs pos="19000">
+                <a:schemeClr val="accent1">
+                  <a:lumMod val="50000"/>
+                  <a:alpha val="68000"/>
+                </a:schemeClr>
+              </a:gs>
+              <a:gs pos="100000">
+                <a:schemeClr val="accent1">
+                  <a:alpha val="79000"/>
+                </a:schemeClr>
+              </a:gs>
+            </a:gsLst>
+            <a:lin ang="19200000" scaled="0"/>
+          </a:gradFill>
+          <a:ln>
+            <a:noFill/>
+          </a:ln>
+        </p:spPr>
+        <p:style>
+          <a:lnRef idx="2">
+            <a:schemeClr val="accent1">
+              <a:shade val="50000"/>
+            </a:schemeClr>
+          </a:lnRef>
+          <a:fillRef idx="1">
+            <a:schemeClr val="accent1"/>
+          </a:fillRef>
+          <a:effectRef idx="0">
+            <a:schemeClr val="accent1"/>
+          </a:effectRef>
+          <a:fontRef idx="minor">
+            <a:schemeClr val="lt1"/>
+          </a:fontRef>
+        </p:style>
+        <p:txBody>
+          <a:bodyPr rtlCol="0" anchor="ctr"/>
+          <a:lstStyle/>
+          <a:p>
+            <a:pPr algn="ctr"/>
+            <a:endParaRPr lang="en-US"/>
+          </a:p>
+        </p:txBody>
+      </p:sp>
+      <p:sp>
+        <p:nvSpPr>
+          <p:cNvPr id="17" name="Rectangle 16">
+            <a:extLst>
+              <a:ext uri="{FF2B5EF4-FFF2-40B4-BE49-F238E27FC236}">
+                <a16:creationId xmlns:a16="http://schemas.microsoft.com/office/drawing/2014/main" id="{A22A6474-E53A-56D8-C5BD-101EE127A130}"/>
+              </a:ext>
+              <a:ext uri="{C183D7F6-B498-43B3-948B-1728B52AA6E4}">
+                <adec:decorative xmlns:adec="http://schemas.microsoft.com/office/drawing/2017/decorative" val="1"/>
+              </a:ext>
+            </a:extLst>
+          </p:cNvPr>
+          <p:cNvSpPr>
+            <a:spLocks noGrp="1" noRot="1" noChangeAspect="1" noMove="1" noResize="1" noEditPoints="1" noAdjustHandles="1" noChangeArrowheads="1" noChangeShapeType="1" noTextEdit="1"/>
+          </p:cNvSpPr>
+          <p:nvPr>
+            <p:extLst>
+              <p:ext uri="{386F3935-93C4-4BCD-93E2-E3B085C9AB24}">
+                <p16:designElem xmlns:p16="http://schemas.microsoft.com/office/powerpoint/2015/main" val="1"/>
+              </p:ext>
+            </p:extLst>
+          </p:nvPr>
+        </p:nvSpPr>
+        <p:spPr>
+          <a:xfrm rot="5400000">
+            <a:off x="5307778" y="-5307777"/>
+            <a:ext cx="1576446" cy="12192001"/>
+          </a:xfrm>
+          <a:prstGeom prst="rect">
+            <a:avLst/>
+          </a:prstGeom>
+          <a:gradFill>
+            <a:gsLst>
+              <a:gs pos="16000">
+                <a:srgbClr val="000000">
+                  <a:alpha val="0"/>
+                </a:srgbClr>
+              </a:gs>
+              <a:gs pos="99000">
+                <a:srgbClr val="000000">
+                  <a:alpha val="87000"/>
+                </a:srgbClr>
+              </a:gs>
+            </a:gsLst>
+            <a:lin ang="11400000" scaled="0"/>
+          </a:gradFill>
+          <a:ln>
+            <a:noFill/>
+          </a:ln>
+        </p:spPr>
+        <p:style>
+          <a:lnRef idx="2">
+            <a:schemeClr val="accent1">
+              <a:shade val="50000"/>
+            </a:schemeClr>
+          </a:lnRef>
+          <a:fillRef idx="1">
+            <a:schemeClr val="accent1"/>
+          </a:fillRef>
+          <a:effectRef idx="0">
+            <a:schemeClr val="accent1"/>
+          </a:effectRef>
+          <a:fontRef idx="minor">
+            <a:schemeClr val="lt1"/>
+          </a:fontRef>
+        </p:style>
+        <p:txBody>
+          <a:bodyPr rtlCol="0" anchor="ctr"/>
+          <a:lstStyle/>
+          <a:p>
+            <a:pPr algn="ctr"/>
+            <a:endParaRPr lang="en-US" dirty="0"/>
+          </a:p>
+        </p:txBody>
+      </p:sp>
+      <p:sp>
+        <p:nvSpPr>
+          <p:cNvPr id="19" name="Rectangle 18">
+            <a:extLst>
+              <a:ext uri="{FF2B5EF4-FFF2-40B4-BE49-F238E27FC236}">
+                <a16:creationId xmlns:a16="http://schemas.microsoft.com/office/drawing/2014/main" id="{E5C6B741-2C8F-C37D-C163-700446F0B896}"/>
+              </a:ext>
+              <a:ext uri="{C183D7F6-B498-43B3-948B-1728B52AA6E4}">
+                <adec:decorative xmlns:adec="http://schemas.microsoft.com/office/drawing/2017/decorative" val="1"/>
+              </a:ext>
+            </a:extLst>
+          </p:cNvPr>
+          <p:cNvSpPr>
+            <a:spLocks noGrp="1" noRot="1" noChangeAspect="1" noMove="1" noResize="1" noEditPoints="1" noAdjustHandles="1" noChangeArrowheads="1" noChangeShapeType="1" noTextEdit="1"/>
+          </p:cNvSpPr>
+          <p:nvPr>
+            <p:extLst>
+              <p:ext uri="{386F3935-93C4-4BCD-93E2-E3B085C9AB24}">
+                <p16:designElem xmlns:p16="http://schemas.microsoft.com/office/powerpoint/2015/main" val="1"/>
+              </p:ext>
+            </p:extLst>
+          </p:nvPr>
+        </p:nvSpPr>
+        <p:spPr>
+          <a:xfrm>
+            <a:off x="3825434" y="986"/>
+            <a:ext cx="4303422" cy="1575461"/>
+          </a:xfrm>
+          <a:prstGeom prst="rect">
+            <a:avLst/>
+          </a:prstGeom>
+          <a:gradFill>
+            <a:gsLst>
+              <a:gs pos="0">
+                <a:schemeClr val="accent1">
+                  <a:alpha val="17000"/>
+                </a:schemeClr>
+              </a:gs>
+              <a:gs pos="74000">
+                <a:schemeClr val="accent1">
+                  <a:lumMod val="50000"/>
+                  <a:alpha val="0"/>
+                </a:schemeClr>
+              </a:gs>
+            </a:gsLst>
+            <a:lin ang="14400000" scaled="0"/>
+          </a:gradFill>
+          <a:ln>
+            <a:noFill/>
+          </a:ln>
+        </p:spPr>
+        <p:style>
+          <a:lnRef idx="2">
+            <a:schemeClr val="accent1">
+              <a:shade val="50000"/>
+            </a:schemeClr>
+          </a:lnRef>
+          <a:fillRef idx="1">
+            <a:schemeClr val="accent1"/>
+          </a:fillRef>
+          <a:effectRef idx="0">
+            <a:schemeClr val="accent1"/>
+          </a:effectRef>
+          <a:fontRef idx="minor">
+            <a:schemeClr val="lt1"/>
+          </a:fontRef>
+        </p:style>
+        <p:txBody>
+          <a:bodyPr rtlCol="0" anchor="ctr"/>
+          <a:lstStyle/>
+          <a:p>
+            <a:pPr algn="ctr"/>
+            <a:endParaRPr lang="en-US"/>
+          </a:p>
+        </p:txBody>
+      </p:sp>
+      <p:sp>
+        <p:nvSpPr>
+          <p:cNvPr id="2" name="Title 1">
+            <a:extLst>
+              <a:ext uri="{FF2B5EF4-FFF2-40B4-BE49-F238E27FC236}">
+                <a16:creationId xmlns:a16="http://schemas.microsoft.com/office/drawing/2014/main" id="{335C80B4-9247-9017-7EF4-1E395622A343}"/>
+              </a:ext>
+            </a:extLst>
+          </p:cNvPr>
+          <p:cNvSpPr>
+            <a:spLocks noGrp="1"/>
+          </p:cNvSpPr>
+          <p:nvPr>
+            <p:ph type="title"/>
+          </p:nvPr>
+        </p:nvSpPr>
+        <p:spPr>
+          <a:xfrm>
+            <a:off x="699714" y="353160"/>
+            <a:ext cx="7091300" cy="898581"/>
+          </a:xfrm>
+        </p:spPr>
+        <p:txBody>
+          <a:bodyPr vert="horz" lIns="91440" tIns="45720" rIns="91440" bIns="45720" rtlCol="0" anchor="ctr">
+            <a:normAutofit/>
+          </a:bodyPr>
+          <a:lstStyle/>
+          <a:p>
+            <a:r>
+              <a:rPr lang="en-US" sz="4000" dirty="0">
+                <a:solidFill>
+                  <a:srgbClr val="FFFFFF"/>
+                </a:solidFill>
+              </a:rPr>
+              <a:t>Bar Charts</a:t>
+            </a:r>
+          </a:p>
+        </p:txBody>
+      </p:sp>
+      <p:sp>
+        <p:nvSpPr>
+          <p:cNvPr id="6" name="TextBox 5">
+            <a:extLst>
+              <a:ext uri="{FF2B5EF4-FFF2-40B4-BE49-F238E27FC236}">
+                <a16:creationId xmlns:a16="http://schemas.microsoft.com/office/drawing/2014/main" id="{946B7C68-72BE-B96E-9C2A-32F426269099}"/>
+              </a:ext>
+            </a:extLst>
+          </p:cNvPr>
+          <p:cNvSpPr txBox="1"/>
+          <p:nvPr/>
+        </p:nvSpPr>
+        <p:spPr>
+          <a:xfrm>
+            <a:off x="8571507" y="387224"/>
+            <a:ext cx="3291839" cy="830453"/>
+          </a:xfrm>
+          <a:prstGeom prst="rect">
+            <a:avLst/>
+          </a:prstGeom>
+        </p:spPr>
+        <p:txBody>
+          <a:bodyPr vert="horz" lIns="91440" tIns="45720" rIns="91440" bIns="45720" rtlCol="0" anchor="ctr">
+            <a:normAutofit/>
+          </a:bodyPr>
+          <a:lstStyle/>
+          <a:p>
+            <a:pPr>
+              <a:lnSpc>
+                <a:spcPct val="90000"/>
+              </a:lnSpc>
+              <a:spcBef>
+                <a:spcPts val="1000"/>
+              </a:spcBef>
+            </a:pPr>
+            <a:endParaRPr lang="en-US" sz="2000" dirty="0">
+              <a:solidFill>
+                <a:srgbClr val="FFFFFF"/>
+              </a:solidFill>
+            </a:endParaRPr>
+          </a:p>
+        </p:txBody>
+      </p:sp>
+      <p:pic>
+        <p:nvPicPr>
+          <p:cNvPr id="4" name="Picture 3">
+            <a:extLst>
+              <a:ext uri="{FF2B5EF4-FFF2-40B4-BE49-F238E27FC236}">
+                <a16:creationId xmlns:a16="http://schemas.microsoft.com/office/drawing/2014/main" id="{886DEA68-B697-234E-9B40-23BED193F866}"/>
+              </a:ext>
+            </a:extLst>
+          </p:cNvPr>
+          <p:cNvPicPr>
+            <a:picLocks noChangeAspect="1"/>
+          </p:cNvPicPr>
+          <p:nvPr/>
+        </p:nvPicPr>
+        <p:blipFill>
+          <a:blip r:embed="rId2"/>
+          <a:stretch>
+            <a:fillRect/>
+          </a:stretch>
+        </p:blipFill>
+        <p:spPr>
+          <a:xfrm>
+            <a:off x="6150345" y="1928621"/>
+            <a:ext cx="5949771" cy="4363166"/>
+          </a:xfrm>
+          <a:prstGeom prst="rect">
+            <a:avLst/>
+          </a:prstGeom>
+        </p:spPr>
+      </p:pic>
+      <p:pic>
+        <p:nvPicPr>
+          <p:cNvPr id="5" name="Content Placeholder 4">
+            <a:extLst>
+              <a:ext uri="{FF2B5EF4-FFF2-40B4-BE49-F238E27FC236}">
+                <a16:creationId xmlns:a16="http://schemas.microsoft.com/office/drawing/2014/main" id="{30B7F585-F5AD-528C-8BD3-BE65AA817E4B}"/>
+              </a:ext>
+            </a:extLst>
+          </p:cNvPr>
+          <p:cNvPicPr>
+            <a:picLocks noChangeAspect="1"/>
+          </p:cNvPicPr>
+          <p:nvPr/>
+        </p:nvPicPr>
+        <p:blipFill>
+          <a:blip r:embed="rId3"/>
+          <a:srcRect r="5480" b="-1"/>
+          <a:stretch>
+            <a:fillRect/>
+          </a:stretch>
+        </p:blipFill>
+        <p:spPr>
+          <a:xfrm>
+            <a:off x="91884" y="1928621"/>
+            <a:ext cx="5955273" cy="4363166"/>
+          </a:xfrm>
+          <a:prstGeom prst="rect">
+            <a:avLst/>
+          </a:prstGeom>
+        </p:spPr>
+      </p:pic>
+    </p:spTree>
+    <p:extLst>
+      <p:ext uri="{BB962C8B-B14F-4D97-AF65-F5344CB8AC3E}">
+        <p14:creationId xmlns:p14="http://schemas.microsoft.com/office/powerpoint/2010/main" val="1058106241"/>
+      </p:ext>
+    </p:extLst>
+  </p:cSld>
+  <p:clrMapOvr>
+    <a:masterClrMapping/>
+  </p:clrMapOvr>
+</p:sld>
+</file>
+
+<file path=ppt/slides/slide14.xml><?xml version="1.0" encoding="utf-8"?>
+<p:sld xmlns:a="http://schemas.openxmlformats.org/drawingml/2006/main" xmlns:r="http://schemas.openxmlformats.org/officeDocument/2006/relationships" xmlns:p="http://schemas.openxmlformats.org/presentationml/2006/main">
+  <p:cSld>
+    <p:bg>
+      <p:bgPr>
+        <a:solidFill>
+          <a:schemeClr val="bg1"/>
+        </a:solidFill>
+        <a:effectLst/>
+      </p:bgPr>
+    </p:bg>
+    <p:spTree>
+      <p:nvGrpSpPr>
+        <p:cNvPr id="1" name="">
+          <a:extLst>
+            <a:ext uri="{FF2B5EF4-FFF2-40B4-BE49-F238E27FC236}">
+              <a16:creationId xmlns:a16="http://schemas.microsoft.com/office/drawing/2014/main" id="{11198EBA-F98F-4CED-3B7D-B444B1E0946E}"/>
+            </a:ext>
+          </a:extLst>
+        </p:cNvPr>
+        <p:cNvGrpSpPr/>
+        <p:nvPr/>
+      </p:nvGrpSpPr>
+      <p:grpSpPr>
+        <a:xfrm>
+          <a:off x="0" y="0"/>
+          <a:ext cx="0" cy="0"/>
+          <a:chOff x="0" y="0"/>
+          <a:chExt cx="0" cy="0"/>
+        </a:xfrm>
+      </p:grpSpPr>
+      <p:sp useBgFill="1">
+        <p:nvSpPr>
+          <p:cNvPr id="24" name="Rectangle 23">
+            <a:extLst>
+              <a:ext uri="{FF2B5EF4-FFF2-40B4-BE49-F238E27FC236}">
+                <a16:creationId xmlns:a16="http://schemas.microsoft.com/office/drawing/2014/main" id="{398F3DEE-0E56-499F-AFAE-C2DA7C2C815B}"/>
+              </a:ext>
+              <a:ext uri="{C183D7F6-B498-43B3-948B-1728B52AA6E4}">
+                <adec:decorative xmlns:adec="http://schemas.microsoft.com/office/drawing/2017/decorative" val="1"/>
+              </a:ext>
+            </a:extLst>
+          </p:cNvPr>
+          <p:cNvSpPr>
+            <a:spLocks noGrp="1" noRot="1" noChangeAspect="1" noMove="1" noResize="1" noEditPoints="1" noAdjustHandles="1" noChangeArrowheads="1" noChangeShapeType="1" noTextEdit="1"/>
+          </p:cNvSpPr>
+          <p:nvPr>
+            <p:extLst>
+              <p:ext uri="{386F3935-93C4-4BCD-93E2-E3B085C9AB24}">
+                <p16:designElem xmlns:p16="http://schemas.microsoft.com/office/powerpoint/2015/main" val="1"/>
+              </p:ext>
+            </p:extLst>
+          </p:nvPr>
+        </p:nvSpPr>
+        <p:spPr>
+          <a:xfrm>
+            <a:off x="0" y="0"/>
+            <a:ext cx="12192000" cy="6858000"/>
+          </a:xfrm>
+          <a:prstGeom prst="rect">
+            <a:avLst/>
+          </a:prstGeom>
+          <a:ln w="12700" cap="flat" cmpd="sng" algn="ctr">
+            <a:noFill/>
+            <a:prstDash val="solid"/>
+            <a:miter lim="800000"/>
+          </a:ln>
+          <a:effectLst/>
+          <a:extLst>
+            <a:ext uri="{91240B29-F687-4F45-9708-019B960494DF}">
+              <a14:hiddenLine xmlns:a14="http://schemas.microsoft.com/office/drawing/2010/main" w="12700" cap="flat" cmpd="sng" algn="ctr">
+                <a:solidFill>
+                  <a:schemeClr val="accent1">
+                    <a:shade val="50000"/>
+                  </a:schemeClr>
+                </a:solidFill>
+                <a:prstDash val="solid"/>
+                <a:miter lim="800000"/>
+              </a14:hiddenLine>
+            </a:ext>
+          </a:extLst>
+        </p:spPr>
+        <p:style>
+          <a:lnRef idx="2">
+            <a:schemeClr val="accent1">
+              <a:shade val="50000"/>
+            </a:schemeClr>
+          </a:lnRef>
+          <a:fillRef idx="1">
+            <a:schemeClr val="accent1"/>
+          </a:fillRef>
+          <a:effectRef idx="0">
+            <a:schemeClr val="accent1"/>
+          </a:effectRef>
+          <a:fontRef idx="minor">
+            <a:schemeClr val="lt1"/>
+          </a:fontRef>
+        </p:style>
+        <p:txBody>
+          <a:bodyPr rtlCol="0" anchor="ctr"/>
+          <a:lstStyle/>
+          <a:p>
+            <a:pPr algn="ctr"/>
+            <a:endParaRPr lang="en-US"/>
+          </a:p>
+        </p:txBody>
+      </p:sp>
+      <p:sp>
+        <p:nvSpPr>
+          <p:cNvPr id="26" name="Rectangle 25">
+            <a:extLst>
+              <a:ext uri="{FF2B5EF4-FFF2-40B4-BE49-F238E27FC236}">
+                <a16:creationId xmlns:a16="http://schemas.microsoft.com/office/drawing/2014/main" id="{E85CCF60-79A2-440A-86A2-1A64A59F7B5C}"/>
               </a:ext>
               <a:ext uri="{C183D7F6-B498-43B3-948B-1728B52AA6E4}">
                 <adec:decorative xmlns:adec="http://schemas.microsoft.com/office/drawing/2017/decorative" val="1"/>
@@ -8588,7 +10423,7 @@
           </a:prstGeom>
           <a:gradFill>
             <a:gsLst>
-              <a:gs pos="0">
+              <a:gs pos="11000">
                 <a:srgbClr val="000000"/>
               </a:gs>
               <a:gs pos="100000">
@@ -8630,10 +10465,10 @@
       </p:sp>
       <p:sp>
         <p:nvSpPr>
-          <p:cNvPr id="14" name="Rectangle 13">
-            <a:extLst>
-              <a:ext uri="{FF2B5EF4-FFF2-40B4-BE49-F238E27FC236}">
-                <a16:creationId xmlns:a16="http://schemas.microsoft.com/office/drawing/2014/main" id="{D07DD2DE-F619-49DD-B5E7-03A290FF4ED1}"/>
+          <p:cNvPr id="28" name="Rectangle 27">
+            <a:extLst>
+              <a:ext uri="{FF2B5EF4-FFF2-40B4-BE49-F238E27FC236}">
+                <a16:creationId xmlns:a16="http://schemas.microsoft.com/office/drawing/2014/main" id="{3F2162BA-EECD-43E0-99D9-C00B19482E50}"/>
               </a:ext>
               <a:ext uri="{C183D7F6-B498-43B3-948B-1728B52AA6E4}">
                 <adec:decorative xmlns:adec="http://schemas.microsoft.com/office/drawing/2017/decorative" val="1"/>
@@ -8652,9 +10487,9 @@
           </p:nvPr>
         </p:nvSpPr>
         <p:spPr>
-          <a:xfrm rot="16200000">
-            <a:off x="-158495" y="2660473"/>
-            <a:ext cx="4355594" cy="4038603"/>
+          <a:xfrm flipH="1">
+            <a:off x="457200" y="8482"/>
+            <a:ext cx="3568276" cy="6858000"/>
           </a:xfrm>
           <a:prstGeom prst="rect">
             <a:avLst/>
@@ -8663,17 +10498,16 @@
             <a:gsLst>
               <a:gs pos="0">
                 <a:schemeClr val="accent1">
-                  <a:alpha val="50000"/>
+                  <a:alpha val="32000"/>
                 </a:schemeClr>
               </a:gs>
-              <a:gs pos="100000">
-                <a:schemeClr val="accent1">
-                  <a:lumMod val="50000"/>
+              <a:gs pos="70000">
+                <a:srgbClr val="000000">
                   <a:alpha val="0"/>
-                </a:schemeClr>
+                </a:srgbClr>
               </a:gs>
             </a:gsLst>
-            <a:lin ang="11400000" scaled="0"/>
+            <a:lin ang="6000000" scaled="0"/>
           </a:gradFill>
           <a:ln>
             <a:noFill/>
@@ -8700,91 +10534,16 @@
           <a:lstStyle/>
           <a:p>
             <a:pPr algn="ctr"/>
-            <a:endParaRPr lang="en-US"/>
+            <a:endParaRPr lang="en-US" dirty="0"/>
           </a:p>
         </p:txBody>
       </p:sp>
       <p:sp>
         <p:nvSpPr>
-          <p:cNvPr id="16" name="Rectangle 15">
-            <a:extLst>
-              <a:ext uri="{FF2B5EF4-FFF2-40B4-BE49-F238E27FC236}">
-                <a16:creationId xmlns:a16="http://schemas.microsoft.com/office/drawing/2014/main" id="{85149191-5F60-4A28-AAFF-039F96B0F3EC}"/>
-              </a:ext>
-              <a:ext uri="{C183D7F6-B498-43B3-948B-1728B52AA6E4}">
-                <adec:decorative xmlns:adec="http://schemas.microsoft.com/office/drawing/2017/decorative" val="1"/>
-              </a:ext>
-            </a:extLst>
-          </p:cNvPr>
-          <p:cNvSpPr>
-            <a:spLocks noGrp="1" noRot="1" noChangeAspect="1" noMove="1" noResize="1" noEditPoints="1" noAdjustHandles="1" noChangeArrowheads="1" noChangeShapeType="1" noTextEdit="1"/>
-          </p:cNvSpPr>
-          <p:nvPr>
-            <p:extLst>
-              <p:ext uri="{386F3935-93C4-4BCD-93E2-E3B085C9AB24}">
-                <p16:designElem xmlns:p16="http://schemas.microsoft.com/office/powerpoint/2015/main" val="1"/>
-              </p:ext>
-            </p:extLst>
-          </p:nvPr>
-        </p:nvSpPr>
-        <p:spPr>
-          <a:xfrm rot="16200000" flipH="1">
-            <a:off x="-1180882" y="1638085"/>
-            <a:ext cx="6857572" cy="3581401"/>
-          </a:xfrm>
-          <a:prstGeom prst="rect">
-            <a:avLst/>
-          </a:prstGeom>
-          <a:gradFill>
-            <a:gsLst>
-              <a:gs pos="0">
-                <a:srgbClr val="000000">
-                  <a:alpha val="59000"/>
-                </a:srgbClr>
-              </a:gs>
-              <a:gs pos="69000">
-                <a:schemeClr val="accent1">
-                  <a:alpha val="0"/>
-                </a:schemeClr>
-              </a:gs>
-            </a:gsLst>
-            <a:lin ang="13200000" scaled="0"/>
-          </a:gradFill>
-          <a:ln>
-            <a:noFill/>
-          </a:ln>
-        </p:spPr>
-        <p:style>
-          <a:lnRef idx="2">
-            <a:schemeClr val="accent1">
-              <a:shade val="50000"/>
-            </a:schemeClr>
-          </a:lnRef>
-          <a:fillRef idx="1">
-            <a:schemeClr val="accent1"/>
-          </a:fillRef>
-          <a:effectRef idx="0">
-            <a:schemeClr val="accent1"/>
-          </a:effectRef>
-          <a:fontRef idx="minor">
-            <a:schemeClr val="lt1"/>
-          </a:fontRef>
-        </p:style>
-        <p:txBody>
-          <a:bodyPr rtlCol="0" anchor="ctr"/>
-          <a:lstStyle/>
-          <a:p>
-            <a:pPr algn="ctr"/>
-            <a:endParaRPr lang="en-US" dirty="0"/>
-          </a:p>
-        </p:txBody>
-      </p:sp>
-      <p:sp>
-        <p:nvSpPr>
-          <p:cNvPr id="18" name="Freeform: Shape 17">
-            <a:extLst>
-              <a:ext uri="{FF2B5EF4-FFF2-40B4-BE49-F238E27FC236}">
-                <a16:creationId xmlns:a16="http://schemas.microsoft.com/office/drawing/2014/main" id="{F8260ED5-17F7-4158-B241-D51DD4CF1B7E}"/>
+          <p:cNvPr id="30" name="Freeform: Shape 29">
+            <a:extLst>
+              <a:ext uri="{FF2B5EF4-FFF2-40B4-BE49-F238E27FC236}">
+                <a16:creationId xmlns:a16="http://schemas.microsoft.com/office/drawing/2014/main" id="{160DB805-F71F-46BB-A8CC-74F6D8306F98}"/>
               </a:ext>
               <a:ext uri="{C183D7F6-B498-43B3-948B-1728B52AA6E4}">
                 <adec:decorative xmlns:adec="http://schemas.microsoft.com/office/drawing/2017/decorative" val="1"/>
@@ -8919,7 +10678,7 @@
                 </a:schemeClr>
               </a:gs>
             </a:gsLst>
-            <a:lin ang="18600000" scaled="0"/>
+            <a:lin ang="16800000" scaled="0"/>
           </a:gradFill>
           <a:ln>
             <a:noFill/>
@@ -8954,10 +10713,86 @@
       </p:sp>
       <p:sp>
         <p:nvSpPr>
+          <p:cNvPr id="32" name="Rectangle 31">
+            <a:extLst>
+              <a:ext uri="{FF2B5EF4-FFF2-40B4-BE49-F238E27FC236}">
+                <a16:creationId xmlns:a16="http://schemas.microsoft.com/office/drawing/2014/main" id="{6F91054C-3439-420E-88EB-F0A5637EC5C4}"/>
+              </a:ext>
+              <a:ext uri="{C183D7F6-B498-43B3-948B-1728B52AA6E4}">
+                <adec:decorative xmlns:adec="http://schemas.microsoft.com/office/drawing/2017/decorative" val="1"/>
+              </a:ext>
+            </a:extLst>
+          </p:cNvPr>
+          <p:cNvSpPr>
+            <a:spLocks noGrp="1" noRot="1" noChangeAspect="1" noMove="1" noResize="1" noEditPoints="1" noAdjustHandles="1" noChangeArrowheads="1" noChangeShapeType="1" noTextEdit="1"/>
+          </p:cNvSpPr>
+          <p:nvPr>
+            <p:extLst>
+              <p:ext uri="{386F3935-93C4-4BCD-93E2-E3B085C9AB24}">
+                <p16:designElem xmlns:p16="http://schemas.microsoft.com/office/powerpoint/2015/main" val="1"/>
+              </p:ext>
+            </p:extLst>
+          </p:nvPr>
+        </p:nvSpPr>
+        <p:spPr>
+          <a:xfrm rot="16200000">
+            <a:off x="-159565" y="2659404"/>
+            <a:ext cx="4355594" cy="4040742"/>
+          </a:xfrm>
+          <a:prstGeom prst="rect">
+            <a:avLst/>
+          </a:prstGeom>
+          <a:gradFill>
+            <a:gsLst>
+              <a:gs pos="0">
+                <a:schemeClr val="accent1">
+                  <a:alpha val="24000"/>
+                </a:schemeClr>
+              </a:gs>
+              <a:gs pos="100000">
+                <a:schemeClr val="accent1">
+                  <a:lumMod val="50000"/>
+                  <a:alpha val="0"/>
+                </a:schemeClr>
+              </a:gs>
+            </a:gsLst>
+            <a:lin ang="11400000" scaled="0"/>
+          </a:gradFill>
+          <a:ln>
+            <a:noFill/>
+          </a:ln>
+        </p:spPr>
+        <p:style>
+          <a:lnRef idx="2">
+            <a:schemeClr val="accent1">
+              <a:shade val="50000"/>
+            </a:schemeClr>
+          </a:lnRef>
+          <a:fillRef idx="1">
+            <a:schemeClr val="accent1"/>
+          </a:fillRef>
+          <a:effectRef idx="0">
+            <a:schemeClr val="accent1"/>
+          </a:effectRef>
+          <a:fontRef idx="minor">
+            <a:schemeClr val="lt1"/>
+          </a:fontRef>
+        </p:style>
+        <p:txBody>
+          <a:bodyPr rtlCol="0" anchor="ctr"/>
+          <a:lstStyle/>
+          <a:p>
+            <a:pPr algn="ctr"/>
+            <a:endParaRPr lang="en-US"/>
+          </a:p>
+        </p:txBody>
+      </p:sp>
+      <p:sp>
+        <p:nvSpPr>
           <p:cNvPr id="2" name="Title 1">
             <a:extLst>
               <a:ext uri="{FF2B5EF4-FFF2-40B4-BE49-F238E27FC236}">
-                <a16:creationId xmlns:a16="http://schemas.microsoft.com/office/drawing/2014/main" id="{AAB3FDDA-D51A-7635-4157-0BD25FDF861D}"/>
+                <a16:creationId xmlns:a16="http://schemas.microsoft.com/office/drawing/2014/main" id="{41A067E5-EA27-DDC9-E4E4-1DE7C62769D3}"/>
               </a:ext>
             </a:extLst>
           </p:cNvPr>
@@ -8970,8 +10805,8 @@
         </p:nvSpPr>
         <p:spPr>
           <a:xfrm>
-            <a:off x="660041" y="2767106"/>
-            <a:ext cx="2880828" cy="3071906"/>
+            <a:off x="673740" y="2759383"/>
+            <a:ext cx="2895573" cy="2834223"/>
           </a:xfrm>
         </p:spPr>
         <p:txBody>
@@ -8981,25 +10816,22 @@
           <a:lstStyle/>
           <a:p>
             <a:r>
-              <a:rPr lang="en-US" sz="4000" kern="1200">
+              <a:rPr lang="en-US" sz="4000" dirty="0">
                 <a:solidFill>
                   <a:srgbClr val="FFFFFF"/>
                 </a:solidFill>
-                <a:latin typeface="+mj-lt"/>
-                <a:ea typeface="+mj-ea"/>
-                <a:cs typeface="+mj-cs"/>
               </a:rPr>
-              <a:t>Pie Chart</a:t>
+              <a:t>Dashboard</a:t>
             </a:r>
           </a:p>
         </p:txBody>
       </p:sp>
       <p:pic>
         <p:nvPicPr>
-          <p:cNvPr id="5" name="Content Placeholder 4">
-            <a:extLst>
-              <a:ext uri="{FF2B5EF4-FFF2-40B4-BE49-F238E27FC236}">
-                <a16:creationId xmlns:a16="http://schemas.microsoft.com/office/drawing/2014/main" id="{160FD5CD-5C50-54CD-419F-A1EF10801606}"/>
+          <p:cNvPr id="3" name="Picture 2">
+            <a:extLst>
+              <a:ext uri="{FF2B5EF4-FFF2-40B4-BE49-F238E27FC236}">
+                <a16:creationId xmlns:a16="http://schemas.microsoft.com/office/drawing/2014/main" id="{6D8DCFD0-4419-9931-6C82-13607AF1C032}"/>
               </a:ext>
             </a:extLst>
           </p:cNvPr>
@@ -9016,18 +10848,207 @@
         </p:blipFill>
         <p:spPr>
           <a:xfrm>
-            <a:off x="4589359" y="467208"/>
-            <a:ext cx="7051885" cy="5923584"/>
+            <a:off x="4822392" y="663855"/>
+            <a:ext cx="3291839" cy="2765146"/>
           </a:xfrm>
           <a:prstGeom prst="rect">
             <a:avLst/>
           </a:prstGeom>
         </p:spPr>
       </p:pic>
+      <p:pic>
+        <p:nvPicPr>
+          <p:cNvPr id="4" name="Picture 3">
+            <a:extLst>
+              <a:ext uri="{FF2B5EF4-FFF2-40B4-BE49-F238E27FC236}">
+                <a16:creationId xmlns:a16="http://schemas.microsoft.com/office/drawing/2014/main" id="{8B0DB7AE-D782-E751-0CE5-151F459BE496}"/>
+              </a:ext>
+            </a:extLst>
+          </p:cNvPr>
+          <p:cNvPicPr>
+            <a:picLocks noChangeAspect="1"/>
+          </p:cNvPicPr>
+          <p:nvPr/>
+        </p:nvPicPr>
+        <p:blipFill>
+          <a:blip r:embed="rId3"/>
+          <a:stretch>
+            <a:fillRect/>
+          </a:stretch>
+        </p:blipFill>
+        <p:spPr>
+          <a:xfrm>
+            <a:off x="8298768" y="743845"/>
+            <a:ext cx="3504843" cy="2611053"/>
+          </a:xfrm>
+          <a:prstGeom prst="rect">
+            <a:avLst/>
+          </a:prstGeom>
+        </p:spPr>
+      </p:pic>
+      <p:pic>
+        <p:nvPicPr>
+          <p:cNvPr id="5" name="Content Placeholder 4">
+            <a:extLst>
+              <a:ext uri="{FF2B5EF4-FFF2-40B4-BE49-F238E27FC236}">
+                <a16:creationId xmlns:a16="http://schemas.microsoft.com/office/drawing/2014/main" id="{A73C9204-AA4D-5CF7-D56D-CCF2299A871A}"/>
+              </a:ext>
+            </a:extLst>
+          </p:cNvPr>
+          <p:cNvPicPr>
+            <a:picLocks noChangeAspect="1"/>
+          </p:cNvPicPr>
+          <p:nvPr/>
+        </p:nvPicPr>
+        <p:blipFill>
+          <a:blip r:embed="rId4"/>
+          <a:srcRect r="5480" b="-1"/>
+          <a:stretch>
+            <a:fillRect/>
+          </a:stretch>
+        </p:blipFill>
+        <p:spPr>
+          <a:xfrm>
+            <a:off x="4601040" y="3542797"/>
+            <a:ext cx="3712574" cy="2651348"/>
+          </a:xfrm>
+          <a:prstGeom prst="rect">
+            <a:avLst/>
+          </a:prstGeom>
+        </p:spPr>
+      </p:pic>
+      <p:pic>
+        <p:nvPicPr>
+          <p:cNvPr id="7" name="Picture 6">
+            <a:extLst>
+              <a:ext uri="{FF2B5EF4-FFF2-40B4-BE49-F238E27FC236}">
+                <a16:creationId xmlns:a16="http://schemas.microsoft.com/office/drawing/2014/main" id="{70CD5E92-04FA-E196-74D8-2A245F58FDB4}"/>
+              </a:ext>
+            </a:extLst>
+          </p:cNvPr>
+          <p:cNvPicPr>
+            <a:picLocks noChangeAspect="1"/>
+          </p:cNvPicPr>
+          <p:nvPr/>
+        </p:nvPicPr>
+        <p:blipFill>
+          <a:blip r:embed="rId5"/>
+          <a:stretch>
+            <a:fillRect/>
+          </a:stretch>
+        </p:blipFill>
+        <p:spPr>
+          <a:xfrm>
+            <a:off x="8328635" y="3653134"/>
+            <a:ext cx="3504843" cy="2541011"/>
+          </a:xfrm>
+          <a:prstGeom prst="rect">
+            <a:avLst/>
+          </a:prstGeom>
+        </p:spPr>
+      </p:pic>
+      <p:sp>
+        <p:nvSpPr>
+          <p:cNvPr id="6" name="TextBox 5">
+            <a:extLst>
+              <a:ext uri="{FF2B5EF4-FFF2-40B4-BE49-F238E27FC236}">
+                <a16:creationId xmlns:a16="http://schemas.microsoft.com/office/drawing/2014/main" id="{FCA8F540-DC73-2753-ECFE-0E933DB50975}"/>
+              </a:ext>
+            </a:extLst>
+          </p:cNvPr>
+          <p:cNvSpPr txBox="1"/>
+          <p:nvPr/>
+        </p:nvSpPr>
+        <p:spPr>
+          <a:xfrm>
+            <a:off x="8571507" y="387224"/>
+            <a:ext cx="3291839" cy="830453"/>
+          </a:xfrm>
+          <a:prstGeom prst="rect">
+            <a:avLst/>
+          </a:prstGeom>
+        </p:spPr>
+        <p:txBody>
+          <a:bodyPr vert="horz" lIns="91440" tIns="45720" rIns="91440" bIns="45720" rtlCol="0" anchor="ctr">
+            <a:normAutofit/>
+          </a:bodyPr>
+          <a:lstStyle/>
+          <a:p>
+            <a:pPr>
+              <a:lnSpc>
+                <a:spcPct val="90000"/>
+              </a:lnSpc>
+              <a:spcBef>
+                <a:spcPts val="1000"/>
+              </a:spcBef>
+            </a:pPr>
+            <a:endParaRPr lang="en-US" sz="2000" dirty="0">
+              <a:solidFill>
+                <a:srgbClr val="FFFFFF"/>
+              </a:solidFill>
+            </a:endParaRPr>
+          </a:p>
+        </p:txBody>
+      </p:sp>
     </p:spTree>
     <p:extLst>
       <p:ext uri="{BB962C8B-B14F-4D97-AF65-F5344CB8AC3E}">
-        <p14:creationId xmlns:p14="http://schemas.microsoft.com/office/powerpoint/2010/main" val="2235367285"/>
+        <p14:creationId xmlns:p14="http://schemas.microsoft.com/office/powerpoint/2010/main" val="3023886827"/>
+      </p:ext>
+    </p:extLst>
+  </p:cSld>
+  <p:clrMapOvr>
+    <a:masterClrMapping/>
+  </p:clrMapOvr>
+</p:sld>
+</file>
+
+<file path=ppt/slides/slide15.xml><?xml version="1.0" encoding="utf-8"?>
+<p:sld xmlns:a="http://schemas.openxmlformats.org/drawingml/2006/main" xmlns:r="http://schemas.openxmlformats.org/officeDocument/2006/relationships" xmlns:p="http://schemas.openxmlformats.org/presentationml/2006/main">
+  <p:cSld>
+    <p:spTree>
+      <p:nvGrpSpPr>
+        <p:cNvPr id="1" name=""/>
+        <p:cNvGrpSpPr/>
+        <p:nvPr/>
+      </p:nvGrpSpPr>
+      <p:grpSpPr>
+        <a:xfrm>
+          <a:off x="0" y="0"/>
+          <a:ext cx="0" cy="0"/>
+          <a:chOff x="0" y="0"/>
+          <a:chExt cx="0" cy="0"/>
+        </a:xfrm>
+      </p:grpSpPr>
+      <p:sp>
+        <p:nvSpPr>
+          <p:cNvPr id="2" name="Title 1">
+            <a:extLst>
+              <a:ext uri="{FF2B5EF4-FFF2-40B4-BE49-F238E27FC236}">
+                <a16:creationId xmlns:a16="http://schemas.microsoft.com/office/drawing/2014/main" id="{2340F33D-F22B-2482-9E8C-31E47326614C}"/>
+              </a:ext>
+            </a:extLst>
+          </p:cNvPr>
+          <p:cNvSpPr>
+            <a:spLocks noGrp="1"/>
+          </p:cNvSpPr>
+          <p:nvPr>
+            <p:ph type="title"/>
+          </p:nvPr>
+        </p:nvSpPr>
+        <p:spPr/>
+        <p:txBody>
+          <a:bodyPr/>
+          <a:lstStyle/>
+          <a:p>
+            <a:endParaRPr lang="en-US" dirty="0"/>
+          </a:p>
+        </p:txBody>
+      </p:sp>
+    </p:spTree>
+    <p:extLst>
+      <p:ext uri="{BB962C8B-B14F-4D97-AF65-F5344CB8AC3E}">
+        <p14:creationId xmlns:p14="http://schemas.microsoft.com/office/powerpoint/2010/main" val="1850030864"/>
       </p:ext>
     </p:extLst>
   </p:cSld>
@@ -9170,8 +11191,8 @@
           <a:lstStyle/>
           <a:p>
             <a:r>
-              <a:rPr lang="en-US"/>
-              <a:t>Numbered list</a:t>
+              <a:rPr lang="en-US" dirty="0"/>
+              <a:t>Table of Contents</a:t>
             </a:r>
           </a:p>
         </p:txBody>
@@ -9192,7 +11213,7 @@
             <p:ph idx="1"/>
             <p:extLst>
               <p:ext uri="{D42A27DB-BD31-4B8C-83A1-F6EECF244321}">
-                <p14:modId xmlns:p14="http://schemas.microsoft.com/office/powerpoint/2010/main" val="91456025"/>
+                <p14:modId xmlns:p14="http://schemas.microsoft.com/office/powerpoint/2010/main" val="948315688"/>
               </p:ext>
               <p:ext uri="{E7BDC344-281C-4309-B0C6-D0EE65EED2A8}">
                 <p202:designPr xmlns:p202="http://schemas.microsoft.com/office/powerpoint/2020/02/main">
@@ -9394,20 +11415,12 @@
                         </a:rPr>
                       </a:br>
                       <a:r>
-                        <a:rPr lang="en-US" sz="1900" b="0" cap="none" spc="0" dirty="0" err="1">
-                          <a:solidFill>
-                            <a:schemeClr val="tx1"/>
-                          </a:solidFill>
-                        </a:rPr>
-                        <a:t>Cleaning</a:t>
-                      </a:r>
-                      <a:r>
                         <a:rPr lang="en-US" sz="1900" b="0" cap="none" spc="0" dirty="0">
                           <a:solidFill>
                             <a:schemeClr val="tx1"/>
                           </a:solidFill>
                         </a:rPr>
-                        <a:t> and normalization for data analysis</a:t>
+                        <a:t>Cleaning and normalization for data analysis</a:t>
                       </a:r>
                     </a:p>
                   </a:txBody>
@@ -9506,23 +11519,7 @@
                             <a:schemeClr val="tx1"/>
                           </a:solidFill>
                         </a:rPr>
-                        <a:t>calculating the validity behind </a:t>
-                      </a:r>
-                      <a:r>
-                        <a:rPr lang="en-US" sz="1900" b="0" cap="none" spc="0" dirty="0" err="1">
-                          <a:solidFill>
-                            <a:schemeClr val="tx1"/>
-                          </a:solidFill>
-                        </a:rPr>
-                        <a:t>lyft’s</a:t>
-                      </a:r>
-                      <a:r>
-                        <a:rPr lang="en-US" sz="1900" b="0" cap="none" spc="0" dirty="0">
-                          <a:solidFill>
-                            <a:schemeClr val="tx1"/>
-                          </a:solidFill>
-                        </a:rPr>
-                        <a:t> Earning Commitment</a:t>
+                        <a:t>calculating the validity behind Lyft’s Earning Commitment</a:t>
                       </a:r>
                     </a:p>
                   </a:txBody>
@@ -11483,8 +13480,8 @@
         </p:nvSpPr>
         <p:spPr>
           <a:xfrm>
-            <a:off x="5990745" y="4334160"/>
-            <a:ext cx="5766178" cy="1477328"/>
+            <a:off x="5751016" y="4356017"/>
+            <a:ext cx="6270172" cy="1477328"/>
           </a:xfrm>
           <a:prstGeom prst="rect">
             <a:avLst/>
@@ -11507,7 +13504,7 @@
             </a:r>
             <a:r>
               <a:rPr lang="en-US" dirty="0" err="1"/>
-              <a:t>dataframe</a:t>
+              <a:t>DataFrame</a:t>
             </a:r>
             <a:endParaRPr lang="en-US" dirty="0"/>
           </a:p>
@@ -11529,7 +13526,7 @@
             </a:r>
             <a:r>
               <a:rPr lang="en-US" dirty="0" err="1"/>
-              <a:t>dataframe</a:t>
+              <a:t>DataFrame</a:t>
             </a:r>
             <a:r>
               <a:rPr lang="en-US" dirty="0"/>
@@ -11541,7 +13538,15 @@
             </a:r>
             <a:r>
               <a:rPr lang="en-US" dirty="0"/>
-              <a:t>”</a:t>
+              <a:t>” (Ride </a:t>
+            </a:r>
+            <a:r>
+              <a:rPr lang="en-US" dirty="0" err="1"/>
+              <a:t>DataFrame</a:t>
+            </a:r>
+            <a:r>
+              <a:rPr lang="en-US" dirty="0"/>
+              <a:t>).</a:t>
             </a:r>
           </a:p>
         </p:txBody>
@@ -12055,8 +14060,8 @@
         </p:nvSpPr>
         <p:spPr>
           <a:xfrm>
-            <a:off x="1940256" y="3833199"/>
-            <a:ext cx="8332826" cy="1119982"/>
+            <a:off x="902706" y="3710241"/>
+            <a:ext cx="10833735" cy="1119982"/>
           </a:xfrm>
           <a:prstGeom prst="rect">
             <a:avLst/>
@@ -12084,7 +14089,7 @@
             </a:r>
             <a:r>
               <a:rPr lang="en-US" sz="2000" dirty="0" err="1"/>
-              <a:t>dataframe</a:t>
+              <a:t>DataFrame</a:t>
             </a:r>
             <a:r>
               <a:rPr lang="en-US" sz="2000" dirty="0"/>
@@ -12096,8 +14101,27 @@
             </a:r>
             <a:r>
               <a:rPr lang="en-US" sz="2000" dirty="0"/>
-              <a:t>”</a:t>
+              <a:t>” (Adjustment </a:t>
             </a:r>
+            <a:r>
+              <a:rPr lang="en-US" sz="2000" dirty="0" err="1"/>
+              <a:t>DataFrame</a:t>
+            </a:r>
+            <a:r>
+              <a:rPr lang="en-US" sz="2000" dirty="0"/>
+              <a:t>).</a:t>
+            </a:r>
+          </a:p>
+          <a:p>
+            <a:pPr marL="57150">
+              <a:lnSpc>
+                <a:spcPct val="90000"/>
+              </a:lnSpc>
+              <a:spcAft>
+                <a:spcPts val="600"/>
+              </a:spcAft>
+            </a:pPr>
+            <a:endParaRPr lang="en-US" sz="2000" dirty="0"/>
           </a:p>
           <a:p>
             <a:pPr marL="285750" indent="-228600">
@@ -12116,11 +14140,19 @@
             </a:r>
             <a:r>
               <a:rPr lang="en-US" sz="2000" dirty="0" err="1"/>
-              <a:t>dataframe</a:t>
+              <a:t>DataFrame</a:t>
             </a:r>
             <a:r>
               <a:rPr lang="en-US" sz="2000" dirty="0"/>
-              <a:t> to find the total I was paid in adjustments</a:t>
+              <a:t> to find the total I was paid in adjustments (</a:t>
+            </a:r>
+            <a:r>
+              <a:rPr lang="en-US" sz="2000" dirty="0" err="1"/>
+              <a:t>tot_adj</a:t>
+            </a:r>
+            <a:r>
+              <a:rPr lang="en-US" sz="2000" dirty="0"/>
+              <a:t>)</a:t>
             </a:r>
           </a:p>
         </p:txBody>
@@ -12693,6 +14725,41 @@
           </a:p>
         </p:txBody>
       </p:sp>
+      <p:sp>
+        <p:nvSpPr>
+          <p:cNvPr id="3" name="TextBox 2">
+            <a:extLst>
+              <a:ext uri="{FF2B5EF4-FFF2-40B4-BE49-F238E27FC236}">
+                <a16:creationId xmlns:a16="http://schemas.microsoft.com/office/drawing/2014/main" id="{B2C45C5A-88DB-2C0C-7C5D-7E2DF10ED718}"/>
+              </a:ext>
+            </a:extLst>
+          </p:cNvPr>
+          <p:cNvSpPr txBox="1"/>
+          <p:nvPr/>
+        </p:nvSpPr>
+        <p:spPr>
+          <a:xfrm>
+            <a:off x="6482443" y="2003232"/>
+            <a:ext cx="5323114" cy="646331"/>
+          </a:xfrm>
+          <a:prstGeom prst="rect">
+            <a:avLst/>
+          </a:prstGeom>
+          <a:noFill/>
+        </p:spPr>
+        <p:txBody>
+          <a:bodyPr wrap="square" rtlCol="0">
+            <a:spAutoFit/>
+          </a:bodyPr>
+          <a:lstStyle/>
+          <a:p>
+            <a:r>
+              <a:rPr lang="en-US" dirty="0"/>
+              <a:t>I calculated the totals of each attribute and rounded to the hundredths to show monetary value.</a:t>
+            </a:r>
+          </a:p>
+        </p:txBody>
+      </p:sp>
     </p:spTree>
     <p:extLst>
       <p:ext uri="{BB962C8B-B14F-4D97-AF65-F5344CB8AC3E}">
@@ -13274,6 +15341,41 @@
           <a:p>
             <a:pPr algn="ctr"/>
             <a:endParaRPr lang="en-US"/>
+          </a:p>
+        </p:txBody>
+      </p:sp>
+      <p:sp>
+        <p:nvSpPr>
+          <p:cNvPr id="3" name="TextBox 2">
+            <a:extLst>
+              <a:ext uri="{FF2B5EF4-FFF2-40B4-BE49-F238E27FC236}">
+                <a16:creationId xmlns:a16="http://schemas.microsoft.com/office/drawing/2014/main" id="{A1563C5B-EC06-2781-CD28-BE1CC74790B9}"/>
+              </a:ext>
+            </a:extLst>
+          </p:cNvPr>
+          <p:cNvSpPr txBox="1"/>
+          <p:nvPr/>
+        </p:nvSpPr>
+        <p:spPr>
+          <a:xfrm>
+            <a:off x="471220" y="263258"/>
+            <a:ext cx="10796330" cy="369332"/>
+          </a:xfrm>
+          <a:prstGeom prst="rect">
+            <a:avLst/>
+          </a:prstGeom>
+          <a:noFill/>
+        </p:spPr>
+        <p:txBody>
+          <a:bodyPr wrap="square" rtlCol="0">
+            <a:spAutoFit/>
+          </a:bodyPr>
+          <a:lstStyle/>
+          <a:p>
+            <a:r>
+              <a:rPr lang="en-US" dirty="0"/>
+              <a:t>I saved those values as their own objects so I could easily use them for further calculations and visualization</a:t>
+            </a:r>
           </a:p>
         </p:txBody>
       </p:sp>
